--- a/docs/мой_семинар/1. Выбираем продукт и строим бизнес-модель.pptx
+++ b/docs/мой_семинар/1. Выбираем продукт и строим бизнес-модель.pptx
@@ -5,7 +5,7 @@
     <p:sldMasterId id="2147483648" r:id="rId1"/>
   </p:sldMasterIdLst>
   <p:notesMasterIdLst>
-    <p:notesMasterId r:id="rId12"/>
+    <p:notesMasterId r:id="rId11"/>
   </p:notesMasterIdLst>
   <p:sldIdLst>
     <p:sldId id="256" r:id="rId2"/>
@@ -14,10 +14,9 @@
     <p:sldId id="375" r:id="rId5"/>
     <p:sldId id="370" r:id="rId6"/>
     <p:sldId id="371" r:id="rId7"/>
-    <p:sldId id="372" r:id="rId8"/>
+    <p:sldId id="374" r:id="rId8"/>
     <p:sldId id="373" r:id="rId9"/>
-    <p:sldId id="374" r:id="rId10"/>
-    <p:sldId id="369" r:id="rId11"/>
+    <p:sldId id="369" r:id="rId10"/>
   </p:sldIdLst>
   <p:sldSz cx="20116800" cy="10972800"/>
   <p:notesSz cx="6858000" cy="9144000"/>
@@ -687,7 +686,7 @@
     </p:spTree>
     <p:extLst>
       <p:ext uri="{BB962C8B-B14F-4D97-AF65-F5344CB8AC3E}">
-        <p14:creationId xmlns:p14="http://schemas.microsoft.com/office/powerpoint/2010/main" val="934387513"/>
+        <p14:creationId xmlns:p14="http://schemas.microsoft.com/office/powerpoint/2010/main" val="46257244"/>
       </p:ext>
     </p:extLst>
   </p:cSld>
@@ -764,72 +763,6 @@
 </file>
 
 <file path=ppt/notesSlides/notesSlide5.xml><?xml version="1.0" encoding="utf-8"?>
-<p:notes xmlns:a="http://schemas.openxmlformats.org/drawingml/2006/main" xmlns:r="http://schemas.openxmlformats.org/officeDocument/2006/relationships" xmlns:p="http://schemas.openxmlformats.org/presentationml/2006/main">
-  <p:cSld>
-    <p:spTree>
-      <p:nvGrpSpPr>
-        <p:cNvPr id="1" name=""/>
-        <p:cNvGrpSpPr/>
-        <p:nvPr/>
-      </p:nvGrpSpPr>
-      <p:grpSpPr>
-        <a:xfrm>
-          <a:off x="0" y="0"/>
-          <a:ext cx="0" cy="0"/>
-          <a:chOff x="0" y="0"/>
-          <a:chExt cx="0" cy="0"/>
-        </a:xfrm>
-      </p:grpSpPr>
-      <p:sp>
-        <p:nvSpPr>
-          <p:cNvPr id="2" name="Образ слайда 1"/>
-          <p:cNvSpPr>
-            <a:spLocks noGrp="1" noRot="1" noChangeAspect="1"/>
-          </p:cNvSpPr>
-          <p:nvPr>
-            <p:ph type="sldImg"/>
-          </p:nvPr>
-        </p:nvSpPr>
-        <p:spPr>
-          <a:xfrm>
-            <a:off x="285750" y="685800"/>
-            <a:ext cx="6286500" cy="3429000"/>
-          </a:xfrm>
-        </p:spPr>
-      </p:sp>
-      <p:sp>
-        <p:nvSpPr>
-          <p:cNvPr id="3" name="Заметки 2"/>
-          <p:cNvSpPr>
-            <a:spLocks noGrp="1"/>
-          </p:cNvSpPr>
-          <p:nvPr>
-            <p:ph type="body" idx="1"/>
-          </p:nvPr>
-        </p:nvSpPr>
-        <p:spPr/>
-        <p:txBody>
-          <a:bodyPr/>
-          <a:lstStyle/>
-          <a:p>
-            <a:endParaRPr lang="ru-RU"/>
-          </a:p>
-        </p:txBody>
-      </p:sp>
-    </p:spTree>
-    <p:extLst>
-      <p:ext uri="{BB962C8B-B14F-4D97-AF65-F5344CB8AC3E}">
-        <p14:creationId xmlns:p14="http://schemas.microsoft.com/office/powerpoint/2010/main" val="46257244"/>
-      </p:ext>
-    </p:extLst>
-  </p:cSld>
-  <p:clrMapOvr>
-    <a:masterClrMapping/>
-  </p:clrMapOvr>
-</p:notes>
-</file>
-
-<file path=ppt/notesSlides/notesSlide6.xml><?xml version="1.0" encoding="utf-8"?>
 <p:notes xmlns:a="http://schemas.openxmlformats.org/drawingml/2006/main" xmlns:r="http://schemas.openxmlformats.org/officeDocument/2006/relationships" xmlns:p="http://schemas.openxmlformats.org/presentationml/2006/main">
   <p:cSld>
     <p:spTree>
@@ -3425,118 +3358,6 @@
 </p:sld>
 </file>
 
-<file path=ppt/slides/slide10.xml><?xml version="1.0" encoding="utf-8"?>
-<p:sld xmlns:a="http://schemas.openxmlformats.org/drawingml/2006/main" xmlns:r="http://schemas.openxmlformats.org/officeDocument/2006/relationships" xmlns:p="http://schemas.openxmlformats.org/presentationml/2006/main">
-  <p:cSld>
-    <p:spTree>
-      <p:nvGrpSpPr>
-        <p:cNvPr id="1" name=""/>
-        <p:cNvGrpSpPr/>
-        <p:nvPr/>
-      </p:nvGrpSpPr>
-      <p:grpSpPr>
-        <a:xfrm>
-          <a:off x="0" y="0"/>
-          <a:ext cx="0" cy="0"/>
-          <a:chOff x="0" y="0"/>
-          <a:chExt cx="0" cy="0"/>
-        </a:xfrm>
-      </p:grpSpPr>
-      <p:sp>
-        <p:nvSpPr>
-          <p:cNvPr id="703" name="Shape 703"/>
-          <p:cNvSpPr>
-            <a:spLocks noGrp="1"/>
-          </p:cNvSpPr>
-          <p:nvPr>
-            <p:ph type="sldNum" sz="quarter" idx="2"/>
-          </p:nvPr>
-        </p:nvSpPr>
-        <p:spPr>
-          <a:prstGeom prst="rect">
-            <a:avLst/>
-          </a:prstGeom>
-          <a:extLst>
-            <a:ext uri="{C572A759-6A51-4108-AA02-DFA0A04FC94B}">
-              <ma14:wrappingTextBoxFlag xmlns="" xmlns:ma14="http://schemas.microsoft.com/office/mac/drawingml/2011/main" val="1"/>
-            </a:ext>
-          </a:extLst>
-        </p:spPr>
-        <p:txBody>
-          <a:bodyPr/>
-          <a:lstStyle/>
-          <a:p>
-            <a:fld id="{86CB4B4D-7CA3-9044-876B-883B54F8677D}" type="slidenum">
-              <a:t>10</a:t>
-            </a:fld>
-            <a:endParaRPr/>
-          </a:p>
-        </p:txBody>
-      </p:sp>
-      <p:sp>
-        <p:nvSpPr>
-          <p:cNvPr id="704" name="Shape 704"/>
-          <p:cNvSpPr/>
-          <p:nvPr/>
-        </p:nvSpPr>
-        <p:spPr>
-          <a:xfrm>
-            <a:off x="9048508" y="4947791"/>
-            <a:ext cx="2019784" cy="538609"/>
-          </a:xfrm>
-          <a:prstGeom prst="rect">
-            <a:avLst/>
-          </a:prstGeom>
-          <a:ln w="12700">
-            <a:miter lim="400000"/>
-          </a:ln>
-          <a:extLst>
-            <a:ext uri="{C572A759-6A51-4108-AA02-DFA0A04FC94B}">
-              <ma14:wrappingTextBoxFlag xmlns="" xmlns:ma14="http://schemas.microsoft.com/office/mac/drawingml/2011/main" val="1"/>
-            </a:ext>
-          </a:extLst>
-        </p:spPr>
-        <p:txBody>
-          <a:bodyPr wrap="none" lIns="0" tIns="0" rIns="0" bIns="0">
-            <a:spAutoFit/>
-          </a:bodyPr>
-          <a:lstStyle/>
-          <a:p>
-            <a:pPr>
-              <a:defRPr sz="3500">
-                <a:solidFill>
-                  <a:srgbClr val="FFFFFF"/>
-                </a:solidFill>
-                <a:latin typeface="San Francisco Display Thin"/>
-                <a:ea typeface="San Francisco Display Thin"/>
-                <a:cs typeface="San Francisco Display Thin"/>
-                <a:sym typeface="San Francisco Display Thin"/>
-              </a:defRPr>
-            </a:pPr>
-            <a:r>
-              <a:rPr lang="en-US" dirty="0"/>
-              <a:t>QA Session</a:t>
-            </a:r>
-            <a:endParaRPr dirty="0"/>
-          </a:p>
-        </p:txBody>
-      </p:sp>
-    </p:spTree>
-    <p:extLst>
-      <p:ext uri="{BB962C8B-B14F-4D97-AF65-F5344CB8AC3E}">
-        <p14:creationId xmlns:p14="http://schemas.microsoft.com/office/powerpoint/2010/main" val="919311911"/>
-      </p:ext>
-    </p:extLst>
-  </p:cSld>
-  <p:clrMapOvr>
-    <a:masterClrMapping/>
-  </p:clrMapOvr>
-  <p:transition spd="slow">
-    <p:cover/>
-  </p:transition>
-</p:sld>
-</file>
-
 <file path=ppt/slides/slide2.xml><?xml version="1.0" encoding="utf-8"?>
 <p:sld xmlns:a="http://schemas.openxmlformats.org/drawingml/2006/main" xmlns:r="http://schemas.openxmlformats.org/officeDocument/2006/relationships" xmlns:p="http://schemas.openxmlformats.org/presentationml/2006/main">
   <p:cSld>
@@ -5151,7 +4972,7 @@
         <p:spPr>
           <a:xfrm>
             <a:off x="2227811" y="3740728"/>
-            <a:ext cx="7830589" cy="3216263"/>
+            <a:ext cx="7830589" cy="3662539"/>
           </a:xfrm>
           <a:prstGeom prst="rect">
             <a:avLst/>
@@ -5436,6 +5257,45 @@
                 </a:solidFill>
               </a:rPr>
               <a:t>, тимлид</a:t>
+            </a:r>
+            <a:endParaRPr lang="en-US" dirty="0">
+              <a:solidFill>
+                <a:schemeClr val="bg1"/>
+              </a:solidFill>
+            </a:endParaRPr>
+          </a:p>
+          <a:p>
+            <a:pPr marL="457200" marR="0" indent="-457200" algn="l" defTabSz="1492300" rtl="0" fontAlgn="auto" latinLnBrk="0" hangingPunct="0">
+              <a:lnSpc>
+                <a:spcPct val="100000"/>
+              </a:lnSpc>
+              <a:spcBef>
+                <a:spcPts val="0"/>
+              </a:spcBef>
+              <a:spcAft>
+                <a:spcPts val="0"/>
+              </a:spcAft>
+              <a:buClrTx/>
+              <a:buSzTx/>
+              <a:buFontTx/>
+              <a:buChar char="-"/>
+              <a:tabLst/>
+            </a:pPr>
+            <a:r>
+              <a:rPr lang="ru-RU" dirty="0">
+                <a:solidFill>
+                  <a:schemeClr val="bg1"/>
+                </a:solidFill>
+              </a:rPr>
+              <a:t>1 </a:t>
+            </a:r>
+            <a:r>
+              <a:rPr lang="en-US" dirty="0">
+                <a:solidFill>
+                  <a:schemeClr val="bg1"/>
+                </a:solidFill>
+              </a:rPr>
+              <a:t>DevOps</a:t>
             </a:r>
             <a:endParaRPr kumimoji="0" lang="ru-RU" sz="2900" b="0" i="0" u="none" strike="noStrike" cap="none" spc="0" normalizeH="0" baseline="0" dirty="0">
               <a:ln>
@@ -5745,6 +5605,208 @@
               </a:rPr>
               <a:t>По окончанию спринта Демо, Ретроспектива</a:t>
             </a:r>
+          </a:p>
+        </p:txBody>
+      </p:sp>
+      <p:sp>
+        <p:nvSpPr>
+          <p:cNvPr id="4" name="TextBox 3">
+            <a:extLst>
+              <a:ext uri="{FF2B5EF4-FFF2-40B4-BE49-F238E27FC236}">
+                <a16:creationId xmlns:a16="http://schemas.microsoft.com/office/drawing/2014/main" id="{F2EE1E5B-8F79-C389-3D9A-762C59FE09CD}"/>
+              </a:ext>
+            </a:extLst>
+          </p:cNvPr>
+          <p:cNvSpPr txBox="1"/>
+          <p:nvPr/>
+        </p:nvSpPr>
+        <p:spPr>
+          <a:xfrm>
+            <a:off x="6143105" y="7735910"/>
+            <a:ext cx="7830589" cy="2769987"/>
+          </a:xfrm>
+          <a:prstGeom prst="rect">
+            <a:avLst/>
+          </a:prstGeom>
+          <a:noFill/>
+          <a:ln w="12700" cap="flat">
+            <a:noFill/>
+            <a:miter lim="400000"/>
+          </a:ln>
+          <a:effectLst/>
+          <a:sp3d/>
+        </p:spPr>
+        <p:style>
+          <a:lnRef idx="0">
+            <a:scrgbClr r="0" g="0" b="0"/>
+          </a:lnRef>
+          <a:fillRef idx="0">
+            <a:scrgbClr r="0" g="0" b="0"/>
+          </a:fillRef>
+          <a:effectRef idx="0">
+            <a:scrgbClr r="0" g="0" b="0"/>
+          </a:effectRef>
+          <a:fontRef idx="none"/>
+        </p:style>
+        <p:txBody>
+          <a:bodyPr rot="0" spcFirstLastPara="1" vertOverflow="overflow" horzOverflow="overflow" vert="horz" wrap="square" lIns="45719" tIns="45719" rIns="45719" bIns="45719" numCol="1" spcCol="38100" rtlCol="0" anchor="t">
+            <a:spAutoFit/>
+          </a:bodyPr>
+          <a:lstStyle/>
+          <a:p>
+            <a:pPr marR="0" algn="l" defTabSz="1492300" rtl="0" fontAlgn="auto" latinLnBrk="0" hangingPunct="0">
+              <a:lnSpc>
+                <a:spcPct val="100000"/>
+              </a:lnSpc>
+              <a:spcBef>
+                <a:spcPts val="0"/>
+              </a:spcBef>
+              <a:spcAft>
+                <a:spcPts val="0"/>
+              </a:spcAft>
+              <a:buClrTx/>
+              <a:buSzTx/>
+              <a:tabLst/>
+            </a:pPr>
+            <a:r>
+              <a:rPr kumimoji="0" lang="ru-RU" sz="2900" b="0" i="0" u="none" strike="noStrike" cap="none" spc="0" normalizeH="0" baseline="0" dirty="0">
+                <a:ln>
+                  <a:noFill/>
+                </a:ln>
+                <a:solidFill>
+                  <a:schemeClr val="bg1"/>
+                </a:solidFill>
+                <a:effectLst/>
+                <a:uFillTx/>
+                <a:latin typeface="+mj-lt"/>
+                <a:ea typeface="+mj-ea"/>
+                <a:cs typeface="+mj-cs"/>
+                <a:sym typeface="Calibri"/>
+              </a:rPr>
+              <a:t>Проекты</a:t>
+            </a:r>
+          </a:p>
+          <a:p>
+            <a:pPr marR="0" algn="l" defTabSz="1492300" rtl="0" fontAlgn="auto" latinLnBrk="0" hangingPunct="0">
+              <a:lnSpc>
+                <a:spcPct val="100000"/>
+              </a:lnSpc>
+              <a:spcBef>
+                <a:spcPts val="0"/>
+              </a:spcBef>
+              <a:spcAft>
+                <a:spcPts val="0"/>
+              </a:spcAft>
+              <a:buClrTx/>
+              <a:buSzTx/>
+              <a:tabLst/>
+            </a:pPr>
+            <a:endParaRPr lang="ru-RU" dirty="0">
+              <a:solidFill>
+                <a:schemeClr val="bg1"/>
+              </a:solidFill>
+            </a:endParaRPr>
+          </a:p>
+          <a:p>
+            <a:pPr marL="457200" marR="0" indent="-457200" algn="l" defTabSz="1492300" rtl="0" fontAlgn="auto" latinLnBrk="0" hangingPunct="0">
+              <a:lnSpc>
+                <a:spcPct val="100000"/>
+              </a:lnSpc>
+              <a:spcBef>
+                <a:spcPts val="0"/>
+              </a:spcBef>
+              <a:spcAft>
+                <a:spcPts val="0"/>
+              </a:spcAft>
+              <a:buClrTx/>
+              <a:buSzTx/>
+              <a:buFontTx/>
+              <a:buChar char="-"/>
+              <a:tabLst/>
+            </a:pPr>
+            <a:r>
+              <a:rPr lang="ru-RU" dirty="0">
+                <a:solidFill>
+                  <a:schemeClr val="bg1"/>
+                </a:solidFill>
+              </a:rPr>
+              <a:t>Автоматизированная система управления охраной труда</a:t>
+            </a:r>
+          </a:p>
+          <a:p>
+            <a:pPr marL="457200" marR="0" indent="-457200" algn="l" defTabSz="1492300" rtl="0" fontAlgn="auto" latinLnBrk="0" hangingPunct="0">
+              <a:lnSpc>
+                <a:spcPct val="100000"/>
+              </a:lnSpc>
+              <a:spcBef>
+                <a:spcPts val="0"/>
+              </a:spcBef>
+              <a:spcAft>
+                <a:spcPts val="0"/>
+              </a:spcAft>
+              <a:buClrTx/>
+              <a:buSzTx/>
+              <a:buFontTx/>
+              <a:buChar char="-"/>
+              <a:tabLst/>
+            </a:pPr>
+            <a:r>
+              <a:rPr kumimoji="0" lang="ru-RU" sz="2900" b="0" i="0" u="none" strike="noStrike" cap="none" spc="0" normalizeH="0" baseline="0" dirty="0">
+                <a:ln>
+                  <a:noFill/>
+                </a:ln>
+                <a:solidFill>
+                  <a:schemeClr val="bg1"/>
+                </a:solidFill>
+                <a:effectLst/>
+                <a:uFillTx/>
+                <a:latin typeface="+mj-lt"/>
+                <a:ea typeface="+mj-ea"/>
+                <a:cs typeface="+mj-cs"/>
+                <a:sym typeface="Calibri"/>
+              </a:rPr>
+              <a:t>Носимые устройства</a:t>
+            </a:r>
+          </a:p>
+          <a:p>
+            <a:pPr marL="457200" marR="0" indent="-457200" algn="l" defTabSz="1492300" rtl="0" fontAlgn="auto" latinLnBrk="0" hangingPunct="0">
+              <a:lnSpc>
+                <a:spcPct val="100000"/>
+              </a:lnSpc>
+              <a:spcBef>
+                <a:spcPts val="0"/>
+              </a:spcBef>
+              <a:spcAft>
+                <a:spcPts val="0"/>
+              </a:spcAft>
+              <a:buClrTx/>
+              <a:buSzTx/>
+              <a:buFontTx/>
+              <a:buChar char="-"/>
+              <a:tabLst/>
+            </a:pPr>
+            <a:r>
+              <a:rPr lang="ru-RU" dirty="0">
+                <a:solidFill>
+                  <a:schemeClr val="bg1"/>
+                </a:solidFill>
+              </a:rPr>
+              <a:t>Чат с ИИ</a:t>
+            </a:r>
+            <a:endParaRPr kumimoji="0" lang="ru-RU" sz="2900" b="0" i="0" u="none" strike="noStrike" cap="none" spc="0" normalizeH="0" baseline="0" dirty="0">
+              <a:ln>
+                <a:noFill/>
+              </a:ln>
+              <a:solidFill>
+                <a:schemeClr val="bg1"/>
+              </a:solidFill>
+              <a:effectLst/>
+              <a:uFillTx/>
+              <a:latin typeface="+mj-lt"/>
+              <a:ea typeface="+mj-ea"/>
+              <a:cs typeface="+mj-cs"/>
+              <a:sym typeface="Calibri"/>
+            </a:endParaRPr>
           </a:p>
         </p:txBody>
       </p:sp>
@@ -6538,8 +6600,8 @@
         </p:nvSpPr>
         <p:spPr>
           <a:xfrm>
-            <a:off x="7231504" y="1070993"/>
-            <a:ext cx="5653792" cy="538609"/>
+            <a:off x="8599667" y="476294"/>
+            <a:ext cx="2917465" cy="538609"/>
           </a:xfrm>
           <a:prstGeom prst="rect">
             <a:avLst/>
@@ -6572,7 +6634,7 @@
             </a:pPr>
             <a:r>
               <a:rPr lang="ru-RU" dirty="0"/>
-              <a:t>Где будем вести наш продукт</a:t>
+              <a:t>Бизнес-модель</a:t>
             </a:r>
             <a:endParaRPr dirty="0"/>
           </a:p>
@@ -6580,10 +6642,10 @@
       </p:sp>
       <p:sp>
         <p:nvSpPr>
-          <p:cNvPr id="14" name="Shape 704">
+          <p:cNvPr id="5" name="Shape 704">
             <a:extLst>
               <a:ext uri="{FF2B5EF4-FFF2-40B4-BE49-F238E27FC236}">
-                <a16:creationId xmlns:a16="http://schemas.microsoft.com/office/drawing/2014/main" id="{D87FAFB7-EAF0-5C41-AF1C-EC057F1FAAD2}"/>
+                <a16:creationId xmlns:a16="http://schemas.microsoft.com/office/drawing/2014/main" id="{0A116A89-2023-1C47-B747-E0087096C389}"/>
               </a:ext>
             </a:extLst>
           </p:cNvPr>
@@ -6592,8 +6654,8 @@
         </p:nvSpPr>
         <p:spPr>
           <a:xfrm>
-            <a:off x="2539530" y="5217095"/>
-            <a:ext cx="617157" cy="538609"/>
+            <a:off x="1119253" y="4383571"/>
+            <a:ext cx="14960827" cy="538609"/>
           </a:xfrm>
           <a:prstGeom prst="rect">
             <a:avLst/>
@@ -6625,19 +6687,23 @@
               </a:defRPr>
             </a:pPr>
             <a:r>
-              <a:rPr lang="en-US" dirty="0"/>
-              <a:t>Jira</a:t>
-            </a:r>
-            <a:endParaRPr dirty="0"/>
+              <a:rPr lang="ru-RU" sz="3500" dirty="0">
+                <a:solidFill>
+                  <a:srgbClr val="FFFFFF"/>
+                </a:solidFill>
+                <a:latin typeface="San Francisco Display Thin"/>
+              </a:rPr>
+              <a:t>Приложение для студентов с расписанием и общением с преподавателями</a:t>
+            </a:r>
           </a:p>
         </p:txBody>
       </p:sp>
       <p:sp>
         <p:nvSpPr>
-          <p:cNvPr id="15" name="Shape 704">
+          <p:cNvPr id="6" name="Shape 704">
             <a:extLst>
               <a:ext uri="{FF2B5EF4-FFF2-40B4-BE49-F238E27FC236}">
-                <a16:creationId xmlns:a16="http://schemas.microsoft.com/office/drawing/2014/main" id="{0B95C6BC-FE62-6C45-A1FD-D2B3BD0B7BC0}"/>
+                <a16:creationId xmlns:a16="http://schemas.microsoft.com/office/drawing/2014/main" id="{2D883EC6-3AD5-0C4D-9258-CDF5F90C2DF4}"/>
               </a:ext>
             </a:extLst>
           </p:cNvPr>
@@ -6646,8 +6712,8 @@
         </p:nvSpPr>
         <p:spPr>
           <a:xfrm>
-            <a:off x="8761989" y="5217095"/>
-            <a:ext cx="1040349" cy="538609"/>
+            <a:off x="1119253" y="3294072"/>
+            <a:ext cx="1094852" cy="538609"/>
           </a:xfrm>
           <a:prstGeom prst="rect">
             <a:avLst/>
@@ -6679,8 +6745,12 @@
               </a:defRPr>
             </a:pPr>
             <a:r>
+              <a:rPr lang="ru-RU" dirty="0"/>
+              <a:t>Идея</a:t>
+            </a:r>
+            <a:r>
               <a:rPr lang="en-US" dirty="0"/>
-              <a:t>Trello</a:t>
+              <a:t>:</a:t>
             </a:r>
             <a:endParaRPr dirty="0"/>
           </a:p>
@@ -6688,10 +6758,10 @@
       </p:sp>
       <p:sp>
         <p:nvSpPr>
-          <p:cNvPr id="16" name="Shape 704">
+          <p:cNvPr id="7" name="Shape 704">
             <a:extLst>
               <a:ext uri="{FF2B5EF4-FFF2-40B4-BE49-F238E27FC236}">
-                <a16:creationId xmlns:a16="http://schemas.microsoft.com/office/drawing/2014/main" id="{7C262552-26C7-3147-92AF-040763C87C4C}"/>
+                <a16:creationId xmlns:a16="http://schemas.microsoft.com/office/drawing/2014/main" id="{D45C4DBB-016C-3145-9480-4F9AA0F2EFBF}"/>
               </a:ext>
             </a:extLst>
           </p:cNvPr>
@@ -6700,8 +6770,8 @@
         </p:nvSpPr>
         <p:spPr>
           <a:xfrm>
-            <a:off x="15407640" y="4678485"/>
-            <a:ext cx="2683648" cy="2154436"/>
+            <a:off x="1119253" y="6050621"/>
+            <a:ext cx="5748369" cy="538609"/>
           </a:xfrm>
           <a:prstGeom prst="rect">
             <a:avLst/>
@@ -6716,7 +6786,7 @@
           </a:extLst>
         </p:spPr>
         <p:txBody>
-          <a:bodyPr wrap="square" lIns="0" tIns="0" rIns="0" bIns="0">
+          <a:bodyPr wrap="none" lIns="0" tIns="0" rIns="0" bIns="0">
             <a:spAutoFit/>
           </a:bodyPr>
           <a:lstStyle/>
@@ -6733,17 +6803,39 @@
               </a:defRPr>
             </a:pPr>
             <a:r>
-              <a:rPr lang="ru-RU" dirty="0"/>
-              <a:t>Система, которая нравится лично вам</a:t>
-            </a:r>
-            <a:endParaRPr dirty="0"/>
+              <a:rPr lang="ru-RU" sz="3500" dirty="0">
+                <a:solidFill>
+                  <a:srgbClr val="FFFFFF"/>
+                </a:solidFill>
+                <a:latin typeface="San Francisco Display Thin"/>
+              </a:rPr>
+              <a:t>Заполняем ее в </a:t>
+            </a:r>
+            <a:r>
+              <a:rPr lang="en-US" sz="3500" dirty="0">
+                <a:solidFill>
+                  <a:srgbClr val="FFFFFF"/>
+                </a:solidFill>
+                <a:latin typeface="San Francisco Display Thin"/>
+              </a:rPr>
+              <a:t>MIRO</a:t>
+            </a:r>
+            <a:r>
+              <a:rPr lang="ru-RU" sz="3500" dirty="0">
+                <a:solidFill>
+                  <a:srgbClr val="FFFFFF"/>
+                </a:solidFill>
+                <a:latin typeface="San Francisco Display Thin"/>
+              </a:rPr>
+              <a:t> вместе</a:t>
+            </a:r>
           </a:p>
         </p:txBody>
       </p:sp>
     </p:spTree>
     <p:extLst>
       <p:ext uri="{BB962C8B-B14F-4D97-AF65-F5344CB8AC3E}">
-        <p14:creationId xmlns:p14="http://schemas.microsoft.com/office/powerpoint/2010/main" val="2441263648"/>
+        <p14:creationId xmlns:p14="http://schemas.microsoft.com/office/powerpoint/2010/main" val="772488135"/>
       </p:ext>
     </p:extLst>
   </p:cSld>
@@ -6818,8 +6910,8 @@
         </p:nvSpPr>
         <p:spPr>
           <a:xfrm>
-            <a:off x="8599667" y="206990"/>
-            <a:ext cx="2917465" cy="538609"/>
+            <a:off x="7043149" y="143127"/>
+            <a:ext cx="6030497" cy="538609"/>
           </a:xfrm>
           <a:prstGeom prst="rect">
             <a:avLst/>
@@ -6851,43 +6943,39 @@
               </a:defRPr>
             </a:pPr>
             <a:r>
-              <a:rPr lang="ru-RU" dirty="0"/>
-              <a:t>Бизнес-модель</a:t>
-            </a:r>
-            <a:endParaRPr dirty="0"/>
+              <a:rPr lang="ru-RU" dirty="0">
+                <a:solidFill>
+                  <a:schemeClr val="bg1"/>
+                </a:solidFill>
+              </a:rPr>
+              <a:t>Бизнес-модель </a:t>
+            </a:r>
+            <a:r>
+              <a:rPr lang="ru-RU" b="0" i="0" dirty="0" err="1">
+                <a:solidFill>
+                  <a:schemeClr val="bg1"/>
+                </a:solidFill>
+                <a:effectLst/>
+                <a:latin typeface="Graphik"/>
+              </a:rPr>
+              <a:t>Остервальдера</a:t>
+            </a:r>
+            <a:r>
+              <a:rPr lang="ru-RU" dirty="0">
+                <a:solidFill>
+                  <a:schemeClr val="bg1"/>
+                </a:solidFill>
+              </a:rPr>
+              <a:t> </a:t>
+            </a:r>
+            <a:endParaRPr dirty="0">
+              <a:solidFill>
+                <a:schemeClr val="bg1"/>
+              </a:solidFill>
+            </a:endParaRPr>
           </a:p>
         </p:txBody>
       </p:sp>
-      <p:pic>
-        <p:nvPicPr>
-          <p:cNvPr id="2" name="Рисунок 1">
-            <a:extLst>
-              <a:ext uri="{FF2B5EF4-FFF2-40B4-BE49-F238E27FC236}">
-                <a16:creationId xmlns:a16="http://schemas.microsoft.com/office/drawing/2014/main" id="{C4A5BDB7-3775-F918-F6BC-F3140CECB069}"/>
-              </a:ext>
-            </a:extLst>
-          </p:cNvPr>
-          <p:cNvPicPr>
-            <a:picLocks noChangeAspect="1"/>
-          </p:cNvPicPr>
-          <p:nvPr/>
-        </p:nvPicPr>
-        <p:blipFill>
-          <a:blip r:embed="rId3"/>
-          <a:stretch>
-            <a:fillRect/>
-          </a:stretch>
-        </p:blipFill>
-        <p:spPr>
-          <a:xfrm>
-            <a:off x="2278599" y="1279052"/>
-            <a:ext cx="15078376" cy="9693748"/>
-          </a:xfrm>
-          <a:prstGeom prst="rect">
-            <a:avLst/>
-          </a:prstGeom>
-        </p:spPr>
-      </p:pic>
       <p:sp>
         <p:nvSpPr>
           <p:cNvPr id="4" name="TextBox 3">
@@ -6947,6 +7035,42 @@
           </a:p>
         </p:txBody>
       </p:sp>
+      <p:pic>
+        <p:nvPicPr>
+          <p:cNvPr id="5" name="Рисунок 4">
+            <a:extLst>
+              <a:ext uri="{FF2B5EF4-FFF2-40B4-BE49-F238E27FC236}">
+                <a16:creationId xmlns:a16="http://schemas.microsoft.com/office/drawing/2014/main" id="{A3B48BA5-0341-956E-049D-D0089DDB9205}"/>
+              </a:ext>
+            </a:extLst>
+          </p:cNvPr>
+          <p:cNvPicPr>
+            <a:picLocks noChangeAspect="1"/>
+          </p:cNvPicPr>
+          <p:nvPr/>
+        </p:nvPicPr>
+        <p:blipFill>
+          <a:blip r:embed="rId3">
+            <a:extLst>
+              <a:ext uri="{28A0092B-C50C-407E-A947-70E740481C1C}">
+                <a14:useLocalDpi xmlns:a14="http://schemas.microsoft.com/office/drawing/2010/main" val="0"/>
+              </a:ext>
+            </a:extLst>
+          </a:blip>
+          <a:stretch>
+            <a:fillRect/>
+          </a:stretch>
+        </p:blipFill>
+        <p:spPr>
+          <a:xfrm>
+            <a:off x="3053030" y="1617438"/>
+            <a:ext cx="15038258" cy="8922394"/>
+          </a:xfrm>
+          <a:prstGeom prst="rect">
+            <a:avLst/>
+          </a:prstGeom>
+        </p:spPr>
+      </p:pic>
     </p:spTree>
     <p:extLst>
       <p:ext uri="{BB962C8B-B14F-4D97-AF65-F5344CB8AC3E}">
@@ -7013,20 +7137,14 @@
       </p:sp>
       <p:sp>
         <p:nvSpPr>
-          <p:cNvPr id="11" name="Shape 704">
-            <a:extLst>
-              <a:ext uri="{FF2B5EF4-FFF2-40B4-BE49-F238E27FC236}">
-                <a16:creationId xmlns:a16="http://schemas.microsoft.com/office/drawing/2014/main" id="{13AF19C4-3475-A040-9B34-92800CE40BFB}"/>
-              </a:ext>
-            </a:extLst>
-          </p:cNvPr>
+          <p:cNvPr id="704" name="Shape 704"/>
           <p:cNvSpPr/>
           <p:nvPr/>
         </p:nvSpPr>
         <p:spPr>
           <a:xfrm>
-            <a:off x="8599667" y="476294"/>
-            <a:ext cx="2917465" cy="538609"/>
+            <a:off x="9048508" y="4947791"/>
+            <a:ext cx="2019784" cy="538609"/>
           </a:xfrm>
           <a:prstGeom prst="rect">
             <a:avLst/>
@@ -7058,209 +7176,17 @@
               </a:defRPr>
             </a:pPr>
             <a:r>
-              <a:rPr lang="ru-RU" dirty="0"/>
-              <a:t>Бизнес-модель</a:t>
+              <a:rPr lang="en-US" dirty="0"/>
+              <a:t>QA Session</a:t>
             </a:r>
             <a:endParaRPr dirty="0"/>
-          </a:p>
-        </p:txBody>
-      </p:sp>
-      <p:sp>
-        <p:nvSpPr>
-          <p:cNvPr id="5" name="Shape 704">
-            <a:extLst>
-              <a:ext uri="{FF2B5EF4-FFF2-40B4-BE49-F238E27FC236}">
-                <a16:creationId xmlns:a16="http://schemas.microsoft.com/office/drawing/2014/main" id="{0A116A89-2023-1C47-B747-E0087096C389}"/>
-              </a:ext>
-            </a:extLst>
-          </p:cNvPr>
-          <p:cNvSpPr/>
-          <p:nvPr/>
-        </p:nvSpPr>
-        <p:spPr>
-          <a:xfrm>
-            <a:off x="1119253" y="4383571"/>
-            <a:ext cx="14960827" cy="538609"/>
-          </a:xfrm>
-          <a:prstGeom prst="rect">
-            <a:avLst/>
-          </a:prstGeom>
-          <a:ln w="12700">
-            <a:miter lim="400000"/>
-          </a:ln>
-          <a:extLst>
-            <a:ext uri="{C572A759-6A51-4108-AA02-DFA0A04FC94B}">
-              <ma14:wrappingTextBoxFlag xmlns="" xmlns:ma14="http://schemas.microsoft.com/office/mac/drawingml/2011/main" val="1"/>
-            </a:ext>
-          </a:extLst>
-        </p:spPr>
-        <p:txBody>
-          <a:bodyPr wrap="none" lIns="0" tIns="0" rIns="0" bIns="0">
-            <a:spAutoFit/>
-          </a:bodyPr>
-          <a:lstStyle/>
-          <a:p>
-            <a:pPr>
-              <a:defRPr sz="3500">
-                <a:solidFill>
-                  <a:srgbClr val="FFFFFF"/>
-                </a:solidFill>
-                <a:latin typeface="San Francisco Display Thin"/>
-                <a:ea typeface="San Francisco Display Thin"/>
-                <a:cs typeface="San Francisco Display Thin"/>
-                <a:sym typeface="San Francisco Display Thin"/>
-              </a:defRPr>
-            </a:pPr>
-            <a:r>
-              <a:rPr lang="ru-RU" sz="3500" dirty="0">
-                <a:solidFill>
-                  <a:srgbClr val="FFFFFF"/>
-                </a:solidFill>
-                <a:latin typeface="San Francisco Display Thin"/>
-              </a:rPr>
-              <a:t>Приложение для студентов с расписанием и общением с преподавателями</a:t>
-            </a:r>
-          </a:p>
-        </p:txBody>
-      </p:sp>
-      <p:sp>
-        <p:nvSpPr>
-          <p:cNvPr id="6" name="Shape 704">
-            <a:extLst>
-              <a:ext uri="{FF2B5EF4-FFF2-40B4-BE49-F238E27FC236}">
-                <a16:creationId xmlns:a16="http://schemas.microsoft.com/office/drawing/2014/main" id="{2D883EC6-3AD5-0C4D-9258-CDF5F90C2DF4}"/>
-              </a:ext>
-            </a:extLst>
-          </p:cNvPr>
-          <p:cNvSpPr/>
-          <p:nvPr/>
-        </p:nvSpPr>
-        <p:spPr>
-          <a:xfrm>
-            <a:off x="1119253" y="3294072"/>
-            <a:ext cx="1094852" cy="538609"/>
-          </a:xfrm>
-          <a:prstGeom prst="rect">
-            <a:avLst/>
-          </a:prstGeom>
-          <a:ln w="12700">
-            <a:miter lim="400000"/>
-          </a:ln>
-          <a:extLst>
-            <a:ext uri="{C572A759-6A51-4108-AA02-DFA0A04FC94B}">
-              <ma14:wrappingTextBoxFlag xmlns="" xmlns:ma14="http://schemas.microsoft.com/office/mac/drawingml/2011/main" val="1"/>
-            </a:ext>
-          </a:extLst>
-        </p:spPr>
-        <p:txBody>
-          <a:bodyPr wrap="none" lIns="0" tIns="0" rIns="0" bIns="0">
-            <a:spAutoFit/>
-          </a:bodyPr>
-          <a:lstStyle/>
-          <a:p>
-            <a:pPr>
-              <a:defRPr sz="3500">
-                <a:solidFill>
-                  <a:srgbClr val="FFFFFF"/>
-                </a:solidFill>
-                <a:latin typeface="San Francisco Display Thin"/>
-                <a:ea typeface="San Francisco Display Thin"/>
-                <a:cs typeface="San Francisco Display Thin"/>
-                <a:sym typeface="San Francisco Display Thin"/>
-              </a:defRPr>
-            </a:pPr>
-            <a:r>
-              <a:rPr lang="ru-RU" dirty="0"/>
-              <a:t>Идея</a:t>
-            </a:r>
-            <a:r>
-              <a:rPr lang="en-US" dirty="0"/>
-              <a:t>:</a:t>
-            </a:r>
-            <a:endParaRPr dirty="0"/>
-          </a:p>
-        </p:txBody>
-      </p:sp>
-      <p:sp>
-        <p:nvSpPr>
-          <p:cNvPr id="7" name="Shape 704">
-            <a:extLst>
-              <a:ext uri="{FF2B5EF4-FFF2-40B4-BE49-F238E27FC236}">
-                <a16:creationId xmlns:a16="http://schemas.microsoft.com/office/drawing/2014/main" id="{D45C4DBB-016C-3145-9480-4F9AA0F2EFBF}"/>
-              </a:ext>
-            </a:extLst>
-          </p:cNvPr>
-          <p:cNvSpPr/>
-          <p:nvPr/>
-        </p:nvSpPr>
-        <p:spPr>
-          <a:xfrm>
-            <a:off x="1119253" y="6050621"/>
-            <a:ext cx="5748369" cy="538609"/>
-          </a:xfrm>
-          <a:prstGeom prst="rect">
-            <a:avLst/>
-          </a:prstGeom>
-          <a:ln w="12700">
-            <a:miter lim="400000"/>
-          </a:ln>
-          <a:extLst>
-            <a:ext uri="{C572A759-6A51-4108-AA02-DFA0A04FC94B}">
-              <ma14:wrappingTextBoxFlag xmlns="" xmlns:ma14="http://schemas.microsoft.com/office/mac/drawingml/2011/main" val="1"/>
-            </a:ext>
-          </a:extLst>
-        </p:spPr>
-        <p:txBody>
-          <a:bodyPr wrap="none" lIns="0" tIns="0" rIns="0" bIns="0">
-            <a:spAutoFit/>
-          </a:bodyPr>
-          <a:lstStyle/>
-          <a:p>
-            <a:pPr>
-              <a:defRPr sz="3500">
-                <a:solidFill>
-                  <a:srgbClr val="FFFFFF"/>
-                </a:solidFill>
-                <a:latin typeface="San Francisco Display Thin"/>
-                <a:ea typeface="San Francisco Display Thin"/>
-                <a:cs typeface="San Francisco Display Thin"/>
-                <a:sym typeface="San Francisco Display Thin"/>
-              </a:defRPr>
-            </a:pPr>
-            <a:r>
-              <a:rPr lang="ru-RU" sz="3500" dirty="0">
-                <a:solidFill>
-                  <a:srgbClr val="FFFFFF"/>
-                </a:solidFill>
-                <a:latin typeface="San Francisco Display Thin"/>
-              </a:rPr>
-              <a:t>Заполняем ее в </a:t>
-            </a:r>
-            <a:r>
-              <a:rPr lang="en-US" sz="3500" dirty="0">
-                <a:solidFill>
-                  <a:srgbClr val="FFFFFF"/>
-                </a:solidFill>
-                <a:latin typeface="San Francisco Display Thin"/>
-              </a:rPr>
-              <a:t>MIRO</a:t>
-            </a:r>
-            <a:r>
-              <a:rPr lang="ru-RU" sz="3500" dirty="0">
-                <a:solidFill>
-                  <a:srgbClr val="FFFFFF"/>
-                </a:solidFill>
-                <a:latin typeface="San Francisco Display Thin"/>
-              </a:rPr>
-              <a:t> вместе</a:t>
-            </a:r>
           </a:p>
         </p:txBody>
       </p:sp>
     </p:spTree>
     <p:extLst>
       <p:ext uri="{BB962C8B-B14F-4D97-AF65-F5344CB8AC3E}">
-        <p14:creationId xmlns:p14="http://schemas.microsoft.com/office/powerpoint/2010/main" val="772488135"/>
+        <p14:creationId xmlns:p14="http://schemas.microsoft.com/office/powerpoint/2010/main" val="919311911"/>
       </p:ext>
     </p:extLst>
   </p:cSld>

--- a/docs/мой_семинар/1. Выбираем продукт и строим бизнес-модель.pptx
+++ b/docs/мой_семинар/1. Выбираем продукт и строим бизнес-модель.pptx
@@ -5,18 +5,19 @@
     <p:sldMasterId id="2147483648" r:id="rId1"/>
   </p:sldMasterIdLst>
   <p:notesMasterIdLst>
-    <p:notesMasterId r:id="rId11"/>
+    <p:notesMasterId r:id="rId12"/>
   </p:notesMasterIdLst>
   <p:sldIdLst>
     <p:sldId id="256" r:id="rId2"/>
     <p:sldId id="275" r:id="rId3"/>
     <p:sldId id="365" r:id="rId4"/>
     <p:sldId id="375" r:id="rId5"/>
-    <p:sldId id="370" r:id="rId6"/>
-    <p:sldId id="371" r:id="rId7"/>
-    <p:sldId id="374" r:id="rId8"/>
-    <p:sldId id="373" r:id="rId9"/>
-    <p:sldId id="369" r:id="rId10"/>
+    <p:sldId id="376" r:id="rId6"/>
+    <p:sldId id="370" r:id="rId7"/>
+    <p:sldId id="371" r:id="rId8"/>
+    <p:sldId id="374" r:id="rId9"/>
+    <p:sldId id="373" r:id="rId10"/>
+    <p:sldId id="369" r:id="rId11"/>
   </p:sldIdLst>
   <p:sldSz cx="20116800" cy="10972800"/>
   <p:notesSz cx="6858000" cy="9144000"/>
@@ -3358,6 +3359,118 @@
 </p:sld>
 </file>
 
+<file path=ppt/slides/slide10.xml><?xml version="1.0" encoding="utf-8"?>
+<p:sld xmlns:a="http://schemas.openxmlformats.org/drawingml/2006/main" xmlns:r="http://schemas.openxmlformats.org/officeDocument/2006/relationships" xmlns:p="http://schemas.openxmlformats.org/presentationml/2006/main">
+  <p:cSld>
+    <p:spTree>
+      <p:nvGrpSpPr>
+        <p:cNvPr id="1" name=""/>
+        <p:cNvGrpSpPr/>
+        <p:nvPr/>
+      </p:nvGrpSpPr>
+      <p:grpSpPr>
+        <a:xfrm>
+          <a:off x="0" y="0"/>
+          <a:ext cx="0" cy="0"/>
+          <a:chOff x="0" y="0"/>
+          <a:chExt cx="0" cy="0"/>
+        </a:xfrm>
+      </p:grpSpPr>
+      <p:sp>
+        <p:nvSpPr>
+          <p:cNvPr id="703" name="Shape 703"/>
+          <p:cNvSpPr>
+            <a:spLocks noGrp="1"/>
+          </p:cNvSpPr>
+          <p:nvPr>
+            <p:ph type="sldNum" sz="quarter" idx="2"/>
+          </p:nvPr>
+        </p:nvSpPr>
+        <p:spPr>
+          <a:prstGeom prst="rect">
+            <a:avLst/>
+          </a:prstGeom>
+          <a:extLst>
+            <a:ext uri="{C572A759-6A51-4108-AA02-DFA0A04FC94B}">
+              <ma14:wrappingTextBoxFlag xmlns="" xmlns:ma14="http://schemas.microsoft.com/office/mac/drawingml/2011/main" val="1"/>
+            </a:ext>
+          </a:extLst>
+        </p:spPr>
+        <p:txBody>
+          <a:bodyPr/>
+          <a:lstStyle/>
+          <a:p>
+            <a:fld id="{86CB4B4D-7CA3-9044-876B-883B54F8677D}" type="slidenum">
+              <a:t>10</a:t>
+            </a:fld>
+            <a:endParaRPr/>
+          </a:p>
+        </p:txBody>
+      </p:sp>
+      <p:sp>
+        <p:nvSpPr>
+          <p:cNvPr id="704" name="Shape 704"/>
+          <p:cNvSpPr/>
+          <p:nvPr/>
+        </p:nvSpPr>
+        <p:spPr>
+          <a:xfrm>
+            <a:off x="9048508" y="4947791"/>
+            <a:ext cx="2019784" cy="538609"/>
+          </a:xfrm>
+          <a:prstGeom prst="rect">
+            <a:avLst/>
+          </a:prstGeom>
+          <a:ln w="12700">
+            <a:miter lim="400000"/>
+          </a:ln>
+          <a:extLst>
+            <a:ext uri="{C572A759-6A51-4108-AA02-DFA0A04FC94B}">
+              <ma14:wrappingTextBoxFlag xmlns="" xmlns:ma14="http://schemas.microsoft.com/office/mac/drawingml/2011/main" val="1"/>
+            </a:ext>
+          </a:extLst>
+        </p:spPr>
+        <p:txBody>
+          <a:bodyPr wrap="none" lIns="0" tIns="0" rIns="0" bIns="0">
+            <a:spAutoFit/>
+          </a:bodyPr>
+          <a:lstStyle/>
+          <a:p>
+            <a:pPr>
+              <a:defRPr sz="3500">
+                <a:solidFill>
+                  <a:srgbClr val="FFFFFF"/>
+                </a:solidFill>
+                <a:latin typeface="San Francisco Display Thin"/>
+                <a:ea typeface="San Francisco Display Thin"/>
+                <a:cs typeface="San Francisco Display Thin"/>
+                <a:sym typeface="San Francisco Display Thin"/>
+              </a:defRPr>
+            </a:pPr>
+            <a:r>
+              <a:rPr lang="en-US" dirty="0"/>
+              <a:t>QA Session</a:t>
+            </a:r>
+            <a:endParaRPr dirty="0"/>
+          </a:p>
+        </p:txBody>
+      </p:sp>
+    </p:spTree>
+    <p:extLst>
+      <p:ext uri="{BB962C8B-B14F-4D97-AF65-F5344CB8AC3E}">
+        <p14:creationId xmlns:p14="http://schemas.microsoft.com/office/powerpoint/2010/main" val="919311911"/>
+      </p:ext>
+    </p:extLst>
+  </p:cSld>
+  <p:clrMapOvr>
+    <a:masterClrMapping/>
+  </p:clrMapOvr>
+  <p:transition spd="slow">
+    <p:cover/>
+  </p:transition>
+</p:sld>
+</file>
+
 <file path=ppt/slides/slide2.xml><?xml version="1.0" encoding="utf-8"?>
 <p:sld xmlns:a="http://schemas.openxmlformats.org/drawingml/2006/main" xmlns:r="http://schemas.openxmlformats.org/officeDocument/2006/relationships" xmlns:p="http://schemas.openxmlformats.org/presentationml/2006/main">
   <p:cSld>
@@ -5845,7 +5958,7 @@
       </p:grpSpPr>
       <p:sp>
         <p:nvSpPr>
-          <p:cNvPr id="703" name="Shape 703"/>
+          <p:cNvPr id="950" name="Shape 950"/>
           <p:cNvSpPr>
             <a:spLocks noGrp="1"/>
           </p:cNvSpPr>
@@ -5876,14 +5989,14 @@
       </p:sp>
       <p:sp>
         <p:nvSpPr>
-          <p:cNvPr id="704" name="Shape 704"/>
+          <p:cNvPr id="951" name="Shape 951"/>
           <p:cNvSpPr/>
           <p:nvPr/>
         </p:nvSpPr>
         <p:spPr>
           <a:xfrm>
-            <a:off x="6873233" y="1270064"/>
-            <a:ext cx="6370334" cy="538609"/>
+            <a:off x="8352805" y="1261344"/>
+            <a:ext cx="3411190" cy="538609"/>
           </a:xfrm>
           <a:prstGeom prst="rect">
             <a:avLst/>
@@ -5901,9 +6014,8 @@
           <a:bodyPr wrap="none" lIns="0" tIns="0" rIns="0" bIns="0">
             <a:spAutoFit/>
           </a:bodyPr>
-          <a:lstStyle/>
-          <a:p>
-            <a:pPr>
+          <a:lstStyle>
+            <a:lvl1pPr>
               <a:defRPr sz="3500">
                 <a:solidFill>
                   <a:srgbClr val="FFFFFF"/>
@@ -5913,10 +6025,12 @@
                 <a:cs typeface="San Francisco Display Thin"/>
                 <a:sym typeface="San Francisco Display Thin"/>
               </a:defRPr>
-            </a:pPr>
+            </a:lvl1pPr>
+          </a:lstStyle>
+          <a:p>
             <a:r>
               <a:rPr lang="ru-RU" dirty="0"/>
-              <a:t>Создание собственного продукта</a:t>
+              <a:t>Как работаем мы </a:t>
             </a:r>
             <a:endParaRPr dirty="0"/>
           </a:p>
@@ -5924,224 +6038,695 @@
       </p:sp>
       <p:sp>
         <p:nvSpPr>
-          <p:cNvPr id="25" name="Shape 704">
+          <p:cNvPr id="2" name="TextBox 1">
             <a:extLst>
               <a:ext uri="{FF2B5EF4-FFF2-40B4-BE49-F238E27FC236}">
-                <a16:creationId xmlns:a16="http://schemas.microsoft.com/office/drawing/2014/main" id="{F43ADDBC-FF03-3B42-8757-1E86A2622678}"/>
+                <a16:creationId xmlns:a16="http://schemas.microsoft.com/office/drawing/2014/main" id="{2391EC0E-6BC9-F566-18F6-ECC30579A656}"/>
               </a:ext>
             </a:extLst>
           </p:cNvPr>
-          <p:cNvSpPr/>
+          <p:cNvSpPr txBox="1"/>
           <p:nvPr/>
         </p:nvSpPr>
         <p:spPr>
           <a:xfrm>
-            <a:off x="8263036" y="2148497"/>
-            <a:ext cx="3590727" cy="538609"/>
+            <a:off x="2827417" y="2076821"/>
+            <a:ext cx="15263871" cy="7679023"/>
           </a:xfrm>
           <a:prstGeom prst="rect">
             <a:avLst/>
           </a:prstGeom>
-          <a:ln w="12700">
+          <a:noFill/>
+          <a:ln w="12700" cap="flat">
+            <a:noFill/>
             <a:miter lim="400000"/>
           </a:ln>
-          <a:extLst>
-            <a:ext uri="{C572A759-6A51-4108-AA02-DFA0A04FC94B}">
-              <ma14:wrappingTextBoxFlag xmlns="" xmlns:ma14="http://schemas.microsoft.com/office/mac/drawingml/2011/main" val="1"/>
-            </a:ext>
-          </a:extLst>
+          <a:effectLst/>
+          <a:sp3d/>
         </p:spPr>
+        <p:style>
+          <a:lnRef idx="0">
+            <a:scrgbClr r="0" g="0" b="0"/>
+          </a:lnRef>
+          <a:fillRef idx="0">
+            <a:scrgbClr r="0" g="0" b="0"/>
+          </a:fillRef>
+          <a:effectRef idx="0">
+            <a:scrgbClr r="0" g="0" b="0"/>
+          </a:effectRef>
+          <a:fontRef idx="none"/>
+        </p:style>
         <p:txBody>
-          <a:bodyPr wrap="none" lIns="0" tIns="0" rIns="0" bIns="0">
+          <a:bodyPr rot="0" spcFirstLastPara="1" vertOverflow="overflow" horzOverflow="overflow" vert="horz" wrap="square" lIns="45719" tIns="45719" rIns="45719" bIns="45719" numCol="1" spcCol="38100" rtlCol="0" anchor="t">
             <a:spAutoFit/>
           </a:bodyPr>
           <a:lstStyle/>
           <a:p>
-            <a:pPr>
-              <a:defRPr sz="3500">
-                <a:solidFill>
-                  <a:srgbClr val="FFFFFF"/>
-                </a:solidFill>
-                <a:latin typeface="San Francisco Display Thin"/>
-                <a:ea typeface="San Francisco Display Thin"/>
-                <a:cs typeface="San Francisco Display Thin"/>
-                <a:sym typeface="San Francisco Display Thin"/>
-              </a:defRPr>
+            <a:pPr marR="0" algn="l" defTabSz="1492300" rtl="0" fontAlgn="auto" latinLnBrk="0" hangingPunct="0">
+              <a:lnSpc>
+                <a:spcPct val="100000"/>
+              </a:lnSpc>
+              <a:spcBef>
+                <a:spcPts val="0"/>
+              </a:spcBef>
+              <a:spcAft>
+                <a:spcPts val="0"/>
+              </a:spcAft>
+              <a:buClrTx/>
+              <a:buSzTx/>
+              <a:tabLst/>
             </a:pPr>
             <a:r>
-              <a:rPr lang="ru-RU" dirty="0"/>
-              <a:t>Что будем делать?</a:t>
-            </a:r>
-            <a:endParaRPr dirty="0"/>
-          </a:p>
-        </p:txBody>
-      </p:sp>
-      <p:sp>
-        <p:nvSpPr>
-          <p:cNvPr id="7" name="Shape 704">
-            <a:extLst>
-              <a:ext uri="{FF2B5EF4-FFF2-40B4-BE49-F238E27FC236}">
-                <a16:creationId xmlns:a16="http://schemas.microsoft.com/office/drawing/2014/main" id="{B076C886-8717-1749-8604-609BCF6A7391}"/>
-              </a:ext>
-            </a:extLst>
-          </p:cNvPr>
-          <p:cNvSpPr/>
-          <p:nvPr/>
-        </p:nvSpPr>
-        <p:spPr>
-          <a:xfrm>
-            <a:off x="1665812" y="5486400"/>
-            <a:ext cx="5743835" cy="1077218"/>
-          </a:xfrm>
-          <a:prstGeom prst="rect">
-            <a:avLst/>
-          </a:prstGeom>
-          <a:ln w="12700">
-            <a:miter lim="400000"/>
-          </a:ln>
-          <a:extLst>
-            <a:ext uri="{C572A759-6A51-4108-AA02-DFA0A04FC94B}">
-              <ma14:wrappingTextBoxFlag xmlns="" xmlns:ma14="http://schemas.microsoft.com/office/mac/drawingml/2011/main" val="1"/>
-            </a:ext>
-          </a:extLst>
-        </p:spPr>
-        <p:txBody>
-          <a:bodyPr wrap="square" lIns="0" tIns="0" rIns="0" bIns="0">
-            <a:spAutoFit/>
-          </a:bodyPr>
-          <a:lstStyle/>
-          <a:p>
-            <a:pPr>
-              <a:defRPr sz="3500">
-                <a:solidFill>
-                  <a:srgbClr val="FFFFFF"/>
-                </a:solidFill>
-                <a:latin typeface="San Francisco Display Thin"/>
-                <a:ea typeface="San Francisco Display Thin"/>
-                <a:cs typeface="San Francisco Display Thin"/>
-                <a:sym typeface="San Francisco Display Thin"/>
-              </a:defRPr>
+              <a:rPr lang="ru-RU" dirty="0">
+                <a:solidFill>
+                  <a:schemeClr val="bg1"/>
+                </a:solidFill>
+              </a:rPr>
+              <a:t>Процесс работы</a:t>
+            </a:r>
+            <a:endParaRPr kumimoji="0" lang="ru-RU" sz="2900" b="0" i="0" u="none" strike="noStrike" cap="none" spc="0" normalizeH="0" baseline="0" dirty="0">
+              <a:ln>
+                <a:noFill/>
+              </a:ln>
+              <a:solidFill>
+                <a:schemeClr val="bg1"/>
+              </a:solidFill>
+              <a:effectLst/>
+              <a:uFillTx/>
+              <a:latin typeface="+mj-lt"/>
+              <a:ea typeface="+mj-ea"/>
+              <a:cs typeface="+mj-cs"/>
+              <a:sym typeface="Calibri"/>
+            </a:endParaRPr>
+          </a:p>
+          <a:p>
+            <a:pPr marR="0" algn="l" defTabSz="1492300" rtl="0" fontAlgn="auto" latinLnBrk="0" hangingPunct="0">
+              <a:lnSpc>
+                <a:spcPct val="100000"/>
+              </a:lnSpc>
+              <a:spcBef>
+                <a:spcPts val="0"/>
+              </a:spcBef>
+              <a:spcAft>
+                <a:spcPts val="0"/>
+              </a:spcAft>
+              <a:buClrTx/>
+              <a:buSzTx/>
+              <a:tabLst/>
             </a:pPr>
-            <a:r>
-              <a:rPr lang="ru-RU" dirty="0"/>
-              <a:t>Разбиваемся на группы 2-3 человека</a:t>
-            </a:r>
-            <a:endParaRPr dirty="0"/>
-          </a:p>
-        </p:txBody>
-      </p:sp>
-      <p:sp>
-        <p:nvSpPr>
-          <p:cNvPr id="10" name="Shape 704">
-            <a:extLst>
-              <a:ext uri="{FF2B5EF4-FFF2-40B4-BE49-F238E27FC236}">
-                <a16:creationId xmlns:a16="http://schemas.microsoft.com/office/drawing/2014/main" id="{C1FDA2A7-4B47-014C-A1BC-49D18658C682}"/>
-              </a:ext>
-            </a:extLst>
-          </p:cNvPr>
-          <p:cNvSpPr/>
-          <p:nvPr/>
-        </p:nvSpPr>
-        <p:spPr>
-          <a:xfrm>
-            <a:off x="8413726" y="5486400"/>
-            <a:ext cx="3896211" cy="1077218"/>
-          </a:xfrm>
-          <a:prstGeom prst="rect">
-            <a:avLst/>
-          </a:prstGeom>
-          <a:ln w="12700">
-            <a:miter lim="400000"/>
-          </a:ln>
-          <a:extLst>
-            <a:ext uri="{C572A759-6A51-4108-AA02-DFA0A04FC94B}">
-              <ma14:wrappingTextBoxFlag xmlns="" xmlns:ma14="http://schemas.microsoft.com/office/mac/drawingml/2011/main" val="1"/>
-            </a:ext>
-          </a:extLst>
-        </p:spPr>
-        <p:txBody>
-          <a:bodyPr wrap="square" lIns="0" tIns="0" rIns="0" bIns="0">
-            <a:spAutoFit/>
-          </a:bodyPr>
-          <a:lstStyle/>
-          <a:p>
-            <a:pPr>
-              <a:defRPr sz="3500">
-                <a:solidFill>
-                  <a:srgbClr val="FFFFFF"/>
-                </a:solidFill>
-                <a:latin typeface="San Francisco Display Thin"/>
-                <a:ea typeface="San Francisco Display Thin"/>
-                <a:cs typeface="San Francisco Display Thin"/>
-                <a:sym typeface="San Francisco Display Thin"/>
-              </a:defRPr>
+            <a:endParaRPr lang="ru-RU" dirty="0">
+              <a:solidFill>
+                <a:schemeClr val="bg1"/>
+              </a:solidFill>
+            </a:endParaRPr>
+          </a:p>
+          <a:p>
+            <a:pPr marL="457200" marR="0" indent="-457200" algn="l" defTabSz="1492300" rtl="0" fontAlgn="auto" latinLnBrk="0" hangingPunct="0">
+              <a:lnSpc>
+                <a:spcPct val="100000"/>
+              </a:lnSpc>
+              <a:spcBef>
+                <a:spcPts val="0"/>
+              </a:spcBef>
+              <a:spcAft>
+                <a:spcPts val="0"/>
+              </a:spcAft>
+              <a:buClrTx/>
+              <a:buSzTx/>
+              <a:buFontTx/>
+              <a:buChar char="-"/>
+              <a:tabLst/>
             </a:pPr>
             <a:r>
-              <a:rPr lang="ru-RU" dirty="0"/>
-              <a:t>Придумываем продукт на семестр</a:t>
-            </a:r>
-            <a:endParaRPr dirty="0"/>
-          </a:p>
-        </p:txBody>
-      </p:sp>
-      <p:sp>
-        <p:nvSpPr>
-          <p:cNvPr id="11" name="Shape 704">
-            <a:extLst>
-              <a:ext uri="{FF2B5EF4-FFF2-40B4-BE49-F238E27FC236}">
-                <a16:creationId xmlns:a16="http://schemas.microsoft.com/office/drawing/2014/main" id="{EBA364FF-4696-A84C-986D-4D691241B7E7}"/>
-              </a:ext>
-            </a:extLst>
-          </p:cNvPr>
-          <p:cNvSpPr/>
-          <p:nvPr/>
-        </p:nvSpPr>
-        <p:spPr>
-          <a:xfrm>
-            <a:off x="14704407" y="5486400"/>
-            <a:ext cx="3896211" cy="1077218"/>
-          </a:xfrm>
-          <a:prstGeom prst="rect">
-            <a:avLst/>
-          </a:prstGeom>
-          <a:ln w="12700">
-            <a:miter lim="400000"/>
-          </a:ln>
-          <a:extLst>
-            <a:ext uri="{C572A759-6A51-4108-AA02-DFA0A04FC94B}">
-              <ma14:wrappingTextBoxFlag xmlns="" xmlns:ma14="http://schemas.microsoft.com/office/mac/drawingml/2011/main" val="1"/>
-            </a:ext>
-          </a:extLst>
-        </p:spPr>
-        <p:txBody>
-          <a:bodyPr wrap="square" lIns="0" tIns="0" rIns="0" bIns="0">
-            <a:spAutoFit/>
-          </a:bodyPr>
-          <a:lstStyle/>
-          <a:p>
-            <a:pPr>
-              <a:defRPr sz="3500">
-                <a:solidFill>
-                  <a:srgbClr val="FFFFFF"/>
-                </a:solidFill>
-                <a:latin typeface="San Francisco Display Thin"/>
-                <a:ea typeface="San Francisco Display Thin"/>
-                <a:cs typeface="San Francisco Display Thin"/>
-                <a:sym typeface="San Francisco Display Thin"/>
-              </a:defRPr>
+              <a:rPr kumimoji="0" lang="ru-RU" sz="2900" b="0" i="0" u="none" strike="noStrike" cap="none" spc="0" normalizeH="0" baseline="0" dirty="0">
+                <a:ln>
+                  <a:noFill/>
+                </a:ln>
+                <a:solidFill>
+                  <a:schemeClr val="bg1"/>
+                </a:solidFill>
+                <a:effectLst/>
+                <a:uFillTx/>
+                <a:latin typeface="+mj-lt"/>
+                <a:ea typeface="+mj-ea"/>
+                <a:cs typeface="+mj-cs"/>
+                <a:sym typeface="Calibri"/>
+              </a:rPr>
+              <a:t>Получаем заявку о необходимости доработки или правки багов</a:t>
+            </a:r>
+          </a:p>
+          <a:p>
+            <a:pPr marL="457200" marR="0" indent="-457200" algn="l" defTabSz="1492300" rtl="0" fontAlgn="auto" latinLnBrk="0" hangingPunct="0">
+              <a:lnSpc>
+                <a:spcPct val="100000"/>
+              </a:lnSpc>
+              <a:spcBef>
+                <a:spcPts val="0"/>
+              </a:spcBef>
+              <a:spcAft>
+                <a:spcPts val="0"/>
+              </a:spcAft>
+              <a:buClrTx/>
+              <a:buSzTx/>
+              <a:buFontTx/>
+              <a:buChar char="-"/>
+              <a:tabLst/>
             </a:pPr>
             <a:r>
-              <a:rPr lang="ru-RU" dirty="0"/>
-              <a:t>Строим бизнес-модель</a:t>
-            </a:r>
-            <a:endParaRPr dirty="0"/>
+              <a:rPr lang="ru-RU" dirty="0">
+                <a:solidFill>
+                  <a:schemeClr val="bg1"/>
+                </a:solidFill>
+              </a:rPr>
+              <a:t>Составляем ТЗ</a:t>
+            </a:r>
+            <a:endParaRPr lang="en-US" dirty="0">
+              <a:solidFill>
+                <a:schemeClr val="bg1"/>
+              </a:solidFill>
+            </a:endParaRPr>
+          </a:p>
+          <a:p>
+            <a:pPr marL="457200" marR="0" indent="-457200" algn="l" defTabSz="1492300" rtl="0" fontAlgn="auto" latinLnBrk="0" hangingPunct="0">
+              <a:lnSpc>
+                <a:spcPct val="100000"/>
+              </a:lnSpc>
+              <a:spcBef>
+                <a:spcPts val="0"/>
+              </a:spcBef>
+              <a:spcAft>
+                <a:spcPts val="0"/>
+              </a:spcAft>
+              <a:buClrTx/>
+              <a:buSzTx/>
+              <a:buFontTx/>
+              <a:buChar char="-"/>
+              <a:tabLst/>
+            </a:pPr>
+            <a:r>
+              <a:rPr kumimoji="0" lang="ru-RU" sz="2900" b="0" i="0" u="none" strike="noStrike" cap="none" spc="0" normalizeH="0" baseline="0" dirty="0">
+                <a:ln>
+                  <a:noFill/>
+                </a:ln>
+                <a:solidFill>
+                  <a:schemeClr val="bg1"/>
+                </a:solidFill>
+                <a:effectLst/>
+                <a:uFillTx/>
+                <a:latin typeface="+mj-lt"/>
+                <a:ea typeface="+mj-ea"/>
+                <a:cs typeface="+mj-cs"/>
+                <a:sym typeface="Calibri"/>
+              </a:rPr>
+              <a:t>Заводим з</a:t>
+            </a:r>
+            <a:r>
+              <a:rPr lang="ru-RU" dirty="0">
+                <a:solidFill>
+                  <a:schemeClr val="bg1"/>
+                </a:solidFill>
+              </a:rPr>
+              <a:t>адачу в </a:t>
+            </a:r>
+            <a:r>
+              <a:rPr lang="en-US" dirty="0">
+                <a:solidFill>
+                  <a:schemeClr val="bg1"/>
+                </a:solidFill>
+              </a:rPr>
+              <a:t>Jira</a:t>
+            </a:r>
+          </a:p>
+          <a:p>
+            <a:pPr marL="457200" marR="0" indent="-457200" algn="l" defTabSz="1492300" rtl="0" fontAlgn="auto" latinLnBrk="0" hangingPunct="0">
+              <a:lnSpc>
+                <a:spcPct val="100000"/>
+              </a:lnSpc>
+              <a:spcBef>
+                <a:spcPts val="0"/>
+              </a:spcBef>
+              <a:spcAft>
+                <a:spcPts val="0"/>
+              </a:spcAft>
+              <a:buClrTx/>
+              <a:buSzTx/>
+              <a:buFontTx/>
+              <a:buChar char="-"/>
+              <a:tabLst/>
+            </a:pPr>
+            <a:r>
+              <a:rPr kumimoji="0" lang="ru-RU" sz="2900" b="0" i="0" u="none" strike="noStrike" cap="none" spc="0" normalizeH="0" baseline="0" dirty="0">
+                <a:ln>
+                  <a:noFill/>
+                </a:ln>
+                <a:solidFill>
+                  <a:schemeClr val="bg1"/>
+                </a:solidFill>
+                <a:effectLst/>
+                <a:uFillTx/>
+                <a:latin typeface="+mj-lt"/>
+                <a:ea typeface="+mj-ea"/>
+                <a:cs typeface="+mj-cs"/>
+                <a:sym typeface="Calibri"/>
+              </a:rPr>
+              <a:t>Добавляем</a:t>
+            </a:r>
+            <a:r>
+              <a:rPr lang="ru-RU" dirty="0">
+                <a:solidFill>
+                  <a:schemeClr val="bg1"/>
+                </a:solidFill>
+              </a:rPr>
+              <a:t> задачу в спринт</a:t>
+            </a:r>
+          </a:p>
+          <a:p>
+            <a:pPr marL="457200" marR="0" indent="-457200" algn="l" defTabSz="1492300" rtl="0" fontAlgn="auto" latinLnBrk="0" hangingPunct="0">
+              <a:lnSpc>
+                <a:spcPct val="100000"/>
+              </a:lnSpc>
+              <a:spcBef>
+                <a:spcPts val="0"/>
+              </a:spcBef>
+              <a:spcAft>
+                <a:spcPts val="0"/>
+              </a:spcAft>
+              <a:buClrTx/>
+              <a:buSzTx/>
+              <a:buFontTx/>
+              <a:buChar char="-"/>
+              <a:tabLst/>
+            </a:pPr>
+            <a:r>
+              <a:rPr kumimoji="0" lang="ru-RU" sz="2900" b="0" i="0" u="none" strike="noStrike" cap="none" spc="0" normalizeH="0" baseline="0" dirty="0">
+                <a:ln>
+                  <a:noFill/>
+                </a:ln>
+                <a:solidFill>
+                  <a:schemeClr val="bg1"/>
+                </a:solidFill>
+                <a:effectLst/>
+                <a:uFillTx/>
+                <a:latin typeface="+mj-lt"/>
+                <a:ea typeface="+mj-ea"/>
+                <a:cs typeface="+mj-cs"/>
+                <a:sym typeface="Calibri"/>
+              </a:rPr>
+              <a:t>Разработчик</a:t>
+            </a:r>
+            <a:r>
+              <a:rPr lang="ru-RU" dirty="0">
+                <a:solidFill>
+                  <a:schemeClr val="bg1"/>
+                </a:solidFill>
+              </a:rPr>
+              <a:t>и оценивают сроки выполнения</a:t>
+            </a:r>
+          </a:p>
+          <a:p>
+            <a:pPr marL="457200" marR="0" indent="-457200" algn="l" defTabSz="1492300" rtl="0" fontAlgn="auto" latinLnBrk="0" hangingPunct="0">
+              <a:lnSpc>
+                <a:spcPct val="100000"/>
+              </a:lnSpc>
+              <a:spcBef>
+                <a:spcPts val="0"/>
+              </a:spcBef>
+              <a:spcAft>
+                <a:spcPts val="0"/>
+              </a:spcAft>
+              <a:buClrTx/>
+              <a:buSzTx/>
+              <a:buFontTx/>
+              <a:buChar char="-"/>
+              <a:tabLst/>
+            </a:pPr>
+            <a:r>
+              <a:rPr lang="ru-RU" dirty="0">
+                <a:solidFill>
+                  <a:schemeClr val="bg1"/>
+                </a:solidFill>
+              </a:rPr>
+              <a:t>Разработчик берет задачу в работу</a:t>
+            </a:r>
+          </a:p>
+          <a:p>
+            <a:pPr marL="457200" marR="0" indent="-457200" algn="l" defTabSz="1492300" rtl="0" fontAlgn="auto" latinLnBrk="0" hangingPunct="0">
+              <a:lnSpc>
+                <a:spcPct val="100000"/>
+              </a:lnSpc>
+              <a:spcBef>
+                <a:spcPts val="0"/>
+              </a:spcBef>
+              <a:spcAft>
+                <a:spcPts val="0"/>
+              </a:spcAft>
+              <a:buClrTx/>
+              <a:buSzTx/>
+              <a:buFontTx/>
+              <a:buChar char="-"/>
+              <a:tabLst/>
+            </a:pPr>
+            <a:r>
+              <a:rPr kumimoji="0" lang="ru-RU" sz="2900" b="0" i="0" u="none" strike="noStrike" cap="none" spc="0" normalizeH="0" baseline="0" dirty="0">
+                <a:ln>
+                  <a:noFill/>
+                </a:ln>
+                <a:solidFill>
+                  <a:schemeClr val="bg1"/>
+                </a:solidFill>
+                <a:effectLst/>
+                <a:uFillTx/>
+                <a:latin typeface="+mj-lt"/>
+                <a:ea typeface="+mj-ea"/>
+                <a:cs typeface="+mj-cs"/>
+                <a:sym typeface="Calibri"/>
+              </a:rPr>
+              <a:t>Процесс реализации</a:t>
+            </a:r>
+          </a:p>
+          <a:p>
+            <a:pPr marL="457200" marR="0" indent="-457200" algn="l" defTabSz="1492300" rtl="0" fontAlgn="auto" latinLnBrk="0" hangingPunct="0">
+              <a:lnSpc>
+                <a:spcPct val="100000"/>
+              </a:lnSpc>
+              <a:spcBef>
+                <a:spcPts val="0"/>
+              </a:spcBef>
+              <a:spcAft>
+                <a:spcPts val="0"/>
+              </a:spcAft>
+              <a:buClrTx/>
+              <a:buSzTx/>
+              <a:buFontTx/>
+              <a:buChar char="-"/>
+              <a:tabLst/>
+            </a:pPr>
+            <a:r>
+              <a:rPr lang="ru-RU" dirty="0">
+                <a:solidFill>
+                  <a:schemeClr val="bg1"/>
+                </a:solidFill>
+              </a:rPr>
+              <a:t>Готовый код отправляется в </a:t>
+            </a:r>
+            <a:r>
+              <a:rPr lang="en-US" dirty="0">
+                <a:solidFill>
+                  <a:schemeClr val="bg1"/>
+                </a:solidFill>
+              </a:rPr>
+              <a:t>Gitlab </a:t>
+            </a:r>
+            <a:r>
+              <a:rPr lang="en-US" dirty="0" err="1">
+                <a:solidFill>
+                  <a:schemeClr val="bg1"/>
+                </a:solidFill>
+              </a:rPr>
+              <a:t>с</a:t>
+            </a:r>
+            <a:r>
+              <a:rPr lang="ru-RU" dirty="0" err="1">
+                <a:solidFill>
+                  <a:schemeClr val="bg1"/>
+                </a:solidFill>
+              </a:rPr>
+              <a:t>оздаётся</a:t>
+            </a:r>
+            <a:r>
+              <a:rPr lang="ru-RU" dirty="0">
+                <a:solidFill>
+                  <a:schemeClr val="bg1"/>
+                </a:solidFill>
+              </a:rPr>
+              <a:t> </a:t>
+            </a:r>
+            <a:r>
+              <a:rPr lang="ru-RU" dirty="0" err="1">
+                <a:solidFill>
+                  <a:schemeClr val="bg1"/>
+                </a:solidFill>
+              </a:rPr>
+              <a:t>мерж</a:t>
+            </a:r>
+            <a:r>
+              <a:rPr lang="ru-RU" dirty="0">
+                <a:solidFill>
+                  <a:schemeClr val="bg1"/>
+                </a:solidFill>
+              </a:rPr>
+              <a:t> </a:t>
+            </a:r>
+            <a:r>
+              <a:rPr lang="ru-RU" dirty="0" err="1">
+                <a:solidFill>
+                  <a:schemeClr val="bg1"/>
+                </a:solidFill>
+              </a:rPr>
+              <a:t>реквест</a:t>
+            </a:r>
+            <a:endParaRPr lang="ru-RU" dirty="0">
+              <a:solidFill>
+                <a:schemeClr val="bg1"/>
+              </a:solidFill>
+            </a:endParaRPr>
+          </a:p>
+          <a:p>
+            <a:pPr marL="457200" marR="0" indent="-457200" algn="l" defTabSz="1492300" rtl="0" fontAlgn="auto" latinLnBrk="0" hangingPunct="0">
+              <a:lnSpc>
+                <a:spcPct val="100000"/>
+              </a:lnSpc>
+              <a:spcBef>
+                <a:spcPts val="0"/>
+              </a:spcBef>
+              <a:spcAft>
+                <a:spcPts val="0"/>
+              </a:spcAft>
+              <a:buClrTx/>
+              <a:buSzTx/>
+              <a:buFontTx/>
+              <a:buChar char="-"/>
+              <a:tabLst/>
+            </a:pPr>
+            <a:r>
+              <a:rPr lang="ru-RU" dirty="0">
+                <a:solidFill>
+                  <a:schemeClr val="bg1"/>
+                </a:solidFill>
+              </a:rPr>
+              <a:t>Код-</a:t>
+            </a:r>
+            <a:r>
+              <a:rPr lang="ru-RU" dirty="0" err="1">
+                <a:solidFill>
+                  <a:schemeClr val="bg1"/>
+                </a:solidFill>
+              </a:rPr>
+              <a:t>ревью</a:t>
+            </a:r>
+            <a:endParaRPr lang="ru-RU" dirty="0">
+              <a:solidFill>
+                <a:schemeClr val="bg1"/>
+              </a:solidFill>
+            </a:endParaRPr>
+          </a:p>
+          <a:p>
+            <a:pPr marL="457200" marR="0" indent="-457200" algn="l" defTabSz="1492300" rtl="0" fontAlgn="auto" latinLnBrk="0" hangingPunct="0">
+              <a:lnSpc>
+                <a:spcPct val="100000"/>
+              </a:lnSpc>
+              <a:spcBef>
+                <a:spcPts val="0"/>
+              </a:spcBef>
+              <a:spcAft>
+                <a:spcPts val="0"/>
+              </a:spcAft>
+              <a:buClrTx/>
+              <a:buSzTx/>
+              <a:buFontTx/>
+              <a:buChar char="-"/>
+              <a:tabLst/>
+            </a:pPr>
+            <a:r>
+              <a:rPr lang="ru-RU" dirty="0">
+                <a:solidFill>
+                  <a:schemeClr val="bg1"/>
+                </a:solidFill>
+              </a:rPr>
+              <a:t>Код вливается в </a:t>
+            </a:r>
+            <a:r>
+              <a:rPr lang="en-US" dirty="0">
+                <a:solidFill>
+                  <a:schemeClr val="bg1"/>
+                </a:solidFill>
+              </a:rPr>
+              <a:t>develop</a:t>
+            </a:r>
+          </a:p>
+          <a:p>
+            <a:pPr marL="457200" marR="0" indent="-457200" algn="l" defTabSz="1492300" rtl="0" fontAlgn="auto" latinLnBrk="0" hangingPunct="0">
+              <a:lnSpc>
+                <a:spcPct val="100000"/>
+              </a:lnSpc>
+              <a:spcBef>
+                <a:spcPts val="0"/>
+              </a:spcBef>
+              <a:spcAft>
+                <a:spcPts val="0"/>
+              </a:spcAft>
+              <a:buClrTx/>
+              <a:buSzTx/>
+              <a:buFontTx/>
+              <a:buChar char="-"/>
+              <a:tabLst/>
+            </a:pPr>
+            <a:r>
+              <a:rPr lang="ru-RU" dirty="0">
+                <a:solidFill>
+                  <a:schemeClr val="bg1"/>
+                </a:solidFill>
+              </a:rPr>
+              <a:t>Тестировщик проверяет корректность выполнения задачи</a:t>
+            </a:r>
+          </a:p>
+          <a:p>
+            <a:pPr marL="457200" marR="0" indent="-457200" algn="l" defTabSz="1492300" rtl="0" fontAlgn="auto" latinLnBrk="0" hangingPunct="0">
+              <a:lnSpc>
+                <a:spcPct val="100000"/>
+              </a:lnSpc>
+              <a:spcBef>
+                <a:spcPts val="0"/>
+              </a:spcBef>
+              <a:spcAft>
+                <a:spcPts val="0"/>
+              </a:spcAft>
+              <a:buClrTx/>
+              <a:buSzTx/>
+              <a:buFontTx/>
+              <a:buChar char="-"/>
+              <a:tabLst/>
+            </a:pPr>
+            <a:r>
+              <a:rPr lang="ru-RU" dirty="0">
+                <a:solidFill>
+                  <a:schemeClr val="bg1"/>
+                </a:solidFill>
+              </a:rPr>
+              <a:t>Задача в </a:t>
+            </a:r>
+            <a:r>
+              <a:rPr lang="en-US" dirty="0">
+                <a:solidFill>
+                  <a:schemeClr val="bg1"/>
+                </a:solidFill>
+              </a:rPr>
+              <a:t>Jira </a:t>
+            </a:r>
+            <a:r>
+              <a:rPr lang="ru-RU" dirty="0">
+                <a:solidFill>
+                  <a:schemeClr val="bg1"/>
+                </a:solidFill>
+              </a:rPr>
+              <a:t>переводится на этап выполнено</a:t>
+            </a:r>
+          </a:p>
+          <a:p>
+            <a:pPr marL="457200" marR="0" indent="-457200" algn="l" defTabSz="1492300" rtl="0" fontAlgn="auto" latinLnBrk="0" hangingPunct="0">
+              <a:lnSpc>
+                <a:spcPct val="100000"/>
+              </a:lnSpc>
+              <a:spcBef>
+                <a:spcPts val="0"/>
+              </a:spcBef>
+              <a:spcAft>
+                <a:spcPts val="0"/>
+              </a:spcAft>
+              <a:buClrTx/>
+              <a:buSzTx/>
+              <a:buFontTx/>
+              <a:buChar char="-"/>
+              <a:tabLst/>
+            </a:pPr>
+            <a:r>
+              <a:rPr lang="ru-RU" dirty="0">
+                <a:solidFill>
+                  <a:schemeClr val="bg1"/>
+                </a:solidFill>
+              </a:rPr>
+              <a:t>Собирается релиз и выкатывается на продуктивный стенд</a:t>
+            </a:r>
+          </a:p>
+          <a:p>
+            <a:pPr marL="457200" marR="0" indent="-457200" algn="l" defTabSz="1492300" rtl="0" fontAlgn="auto" latinLnBrk="0" hangingPunct="0">
+              <a:lnSpc>
+                <a:spcPct val="100000"/>
+              </a:lnSpc>
+              <a:spcBef>
+                <a:spcPts val="0"/>
+              </a:spcBef>
+              <a:spcAft>
+                <a:spcPts val="0"/>
+              </a:spcAft>
+              <a:buClrTx/>
+              <a:buSzTx/>
+              <a:buFontTx/>
+              <a:buChar char="-"/>
+              <a:tabLst/>
+            </a:pPr>
+            <a:r>
+              <a:rPr lang="ru-RU" dirty="0">
+                <a:solidFill>
+                  <a:schemeClr val="bg1"/>
+                </a:solidFill>
+              </a:rPr>
+              <a:t>Заказчик информируется о выполнении задачи</a:t>
+            </a:r>
+            <a:endParaRPr lang="en-US" dirty="0">
+              <a:solidFill>
+                <a:schemeClr val="bg1"/>
+              </a:solidFill>
+            </a:endParaRPr>
+          </a:p>
+          <a:p>
+            <a:pPr marL="457200" marR="0" indent="-457200" algn="l" defTabSz="1492300" rtl="0" fontAlgn="auto" latinLnBrk="0" hangingPunct="0">
+              <a:lnSpc>
+                <a:spcPct val="100000"/>
+              </a:lnSpc>
+              <a:spcBef>
+                <a:spcPts val="0"/>
+              </a:spcBef>
+              <a:spcAft>
+                <a:spcPts val="0"/>
+              </a:spcAft>
+              <a:buClrTx/>
+              <a:buSzTx/>
+              <a:buFontTx/>
+              <a:buChar char="-"/>
+              <a:tabLst/>
+            </a:pPr>
+            <a:endParaRPr kumimoji="0" lang="ru-RU" sz="2900" b="0" i="0" u="none" strike="noStrike" cap="none" spc="0" normalizeH="0" baseline="0" dirty="0">
+              <a:ln>
+                <a:noFill/>
+              </a:ln>
+              <a:solidFill>
+                <a:schemeClr val="bg1"/>
+              </a:solidFill>
+              <a:effectLst/>
+              <a:uFillTx/>
+              <a:latin typeface="+mj-lt"/>
+              <a:ea typeface="+mj-ea"/>
+              <a:cs typeface="+mj-cs"/>
+              <a:sym typeface="Calibri"/>
+            </a:endParaRPr>
           </a:p>
         </p:txBody>
       </p:sp>
     </p:spTree>
     <p:extLst>
       <p:ext uri="{BB962C8B-B14F-4D97-AF65-F5344CB8AC3E}">
-        <p14:creationId xmlns:p14="http://schemas.microsoft.com/office/powerpoint/2010/main" val="166007135"/>
+        <p14:creationId xmlns:p14="http://schemas.microsoft.com/office/powerpoint/2010/main" val="94659490"/>
       </p:ext>
     </p:extLst>
   </p:cSld>
@@ -6149,7 +6734,7 @@
     <a:masterClrMapping/>
   </p:clrMapOvr>
   <p:transition spd="slow">
-    <p:cover/>
+    <p:push dir="u"/>
   </p:transition>
 </p:sld>
 </file>
@@ -6210,8 +6795,8 @@
         </p:nvSpPr>
         <p:spPr>
           <a:xfrm>
-            <a:off x="8102735" y="1090449"/>
-            <a:ext cx="3911327" cy="538609"/>
+            <a:off x="6873233" y="1270064"/>
+            <a:ext cx="6370334" cy="538609"/>
           </a:xfrm>
           <a:prstGeom prst="rect">
             <a:avLst/>
@@ -6244,7 +6829,7 @@
             </a:pPr>
             <a:r>
               <a:rPr lang="ru-RU" dirty="0"/>
-              <a:t>Примеры продуктов</a:t>
+              <a:t>Создание собственного продукта</a:t>
             </a:r>
             <a:endParaRPr dirty="0"/>
           </a:p>
@@ -6252,10 +6837,10 @@
       </p:sp>
       <p:sp>
         <p:nvSpPr>
-          <p:cNvPr id="14" name="Shape 704">
+          <p:cNvPr id="25" name="Shape 704">
             <a:extLst>
               <a:ext uri="{FF2B5EF4-FFF2-40B4-BE49-F238E27FC236}">
-                <a16:creationId xmlns:a16="http://schemas.microsoft.com/office/drawing/2014/main" id="{BC7BB8C1-6BDC-384E-8C26-D5FD21B9FF25}"/>
+                <a16:creationId xmlns:a16="http://schemas.microsoft.com/office/drawing/2014/main" id="{F43ADDBC-FF03-3B42-8757-1E86A2622678}"/>
               </a:ext>
             </a:extLst>
           </p:cNvPr>
@@ -6264,8 +6849,8 @@
         </p:nvSpPr>
         <p:spPr>
           <a:xfrm>
-            <a:off x="1151859" y="3902918"/>
-            <a:ext cx="18101109" cy="4308872"/>
+            <a:off x="8263036" y="2148497"/>
+            <a:ext cx="3590727" cy="538609"/>
           </a:xfrm>
           <a:prstGeom prst="rect">
             <a:avLst/>
@@ -6285,9 +6870,7 @@
           </a:bodyPr>
           <a:lstStyle/>
           <a:p>
-            <a:pPr marL="457200" indent="-457200">
-              <a:buFont typeface="Arial" panose="020B0604020202020204" pitchFamily="34" charset="0"/>
-              <a:buChar char="•"/>
+            <a:pPr>
               <a:defRPr sz="3500">
                 <a:solidFill>
                   <a:srgbClr val="FFFFFF"/>
@@ -6299,26 +6882,49 @@
               </a:defRPr>
             </a:pPr>
             <a:r>
-              <a:rPr lang="en-US" dirty="0"/>
-              <a:t>CRM-</a:t>
-            </a:r>
-            <a:r>
-              <a:rPr lang="en-US" dirty="0" err="1"/>
-              <a:t>с</a:t>
-            </a:r>
-            <a:r>
-              <a:rPr lang="ru-RU" dirty="0" err="1"/>
-              <a:t>истема</a:t>
-            </a:r>
-            <a:r>
               <a:rPr lang="ru-RU" dirty="0"/>
-              <a:t> для стоматологии + Лэндинг</a:t>
-            </a:r>
-          </a:p>
-          <a:p>
-            <a:pPr marL="457200" indent="-457200">
-              <a:buFont typeface="Arial" panose="020B0604020202020204" pitchFamily="34" charset="0"/>
-              <a:buChar char="•"/>
+              <a:t>Что будем делать?</a:t>
+            </a:r>
+            <a:endParaRPr dirty="0"/>
+          </a:p>
+        </p:txBody>
+      </p:sp>
+      <p:sp>
+        <p:nvSpPr>
+          <p:cNvPr id="7" name="Shape 704">
+            <a:extLst>
+              <a:ext uri="{FF2B5EF4-FFF2-40B4-BE49-F238E27FC236}">
+                <a16:creationId xmlns:a16="http://schemas.microsoft.com/office/drawing/2014/main" id="{B076C886-8717-1749-8604-609BCF6A7391}"/>
+              </a:ext>
+            </a:extLst>
+          </p:cNvPr>
+          <p:cNvSpPr/>
+          <p:nvPr/>
+        </p:nvSpPr>
+        <p:spPr>
+          <a:xfrm>
+            <a:off x="1665812" y="5486400"/>
+            <a:ext cx="5743835" cy="1077218"/>
+          </a:xfrm>
+          <a:prstGeom prst="rect">
+            <a:avLst/>
+          </a:prstGeom>
+          <a:ln w="12700">
+            <a:miter lim="400000"/>
+          </a:ln>
+          <a:extLst>
+            <a:ext uri="{C572A759-6A51-4108-AA02-DFA0A04FC94B}">
+              <ma14:wrappingTextBoxFlag xmlns="" xmlns:ma14="http://schemas.microsoft.com/office/mac/drawingml/2011/main" val="1"/>
+            </a:ext>
+          </a:extLst>
+        </p:spPr>
+        <p:txBody>
+          <a:bodyPr wrap="square" lIns="0" tIns="0" rIns="0" bIns="0">
+            <a:spAutoFit/>
+          </a:bodyPr>
+          <a:lstStyle/>
+          <a:p>
+            <a:pPr>
               <a:defRPr sz="3500">
                 <a:solidFill>
                   <a:srgbClr val="FFFFFF"/>
@@ -6331,21 +6937,48 @@
             </a:pPr>
             <a:r>
               <a:rPr lang="ru-RU" dirty="0"/>
-              <a:t>Продукт по </a:t>
-            </a:r>
-            <a:r>
-              <a:rPr lang="ru-RU" dirty="0" err="1"/>
-              <a:t>шарингу</a:t>
-            </a:r>
-            <a:r>
-              <a:rPr lang="ru-RU" dirty="0"/>
-              <a:t> книг, игровых консолей, настольных игр (развлечений)</a:t>
-            </a:r>
-          </a:p>
-          <a:p>
-            <a:pPr marL="457200" indent="-457200">
-              <a:buFont typeface="Arial" panose="020B0604020202020204" pitchFamily="34" charset="0"/>
-              <a:buChar char="•"/>
+              <a:t>Разбиваемся на группы 2-3 человека</a:t>
+            </a:r>
+            <a:endParaRPr dirty="0"/>
+          </a:p>
+        </p:txBody>
+      </p:sp>
+      <p:sp>
+        <p:nvSpPr>
+          <p:cNvPr id="10" name="Shape 704">
+            <a:extLst>
+              <a:ext uri="{FF2B5EF4-FFF2-40B4-BE49-F238E27FC236}">
+                <a16:creationId xmlns:a16="http://schemas.microsoft.com/office/drawing/2014/main" id="{C1FDA2A7-4B47-014C-A1BC-49D18658C682}"/>
+              </a:ext>
+            </a:extLst>
+          </p:cNvPr>
+          <p:cNvSpPr/>
+          <p:nvPr/>
+        </p:nvSpPr>
+        <p:spPr>
+          <a:xfrm>
+            <a:off x="8413726" y="5486400"/>
+            <a:ext cx="3896211" cy="1077218"/>
+          </a:xfrm>
+          <a:prstGeom prst="rect">
+            <a:avLst/>
+          </a:prstGeom>
+          <a:ln w="12700">
+            <a:miter lim="400000"/>
+          </a:ln>
+          <a:extLst>
+            <a:ext uri="{C572A759-6A51-4108-AA02-DFA0A04FC94B}">
+              <ma14:wrappingTextBoxFlag xmlns="" xmlns:ma14="http://schemas.microsoft.com/office/mac/drawingml/2011/main" val="1"/>
+            </a:ext>
+          </a:extLst>
+        </p:spPr>
+        <p:txBody>
+          <a:bodyPr wrap="square" lIns="0" tIns="0" rIns="0" bIns="0">
+            <a:spAutoFit/>
+          </a:bodyPr>
+          <a:lstStyle/>
+          <a:p>
+            <a:pPr>
               <a:defRPr sz="3500">
                 <a:solidFill>
                   <a:srgbClr val="FFFFFF"/>
@@ -6357,28 +6990,49 @@
               </a:defRPr>
             </a:pPr>
             <a:r>
-              <a:rPr lang="ru-RU" sz="3500" dirty="0" err="1">
-                <a:solidFill>
-                  <a:srgbClr val="FFFFFF"/>
-                </a:solidFill>
-                <a:latin typeface="San Francisco Display Thin"/>
-              </a:rPr>
-              <a:t>Телеграм</a:t>
-            </a:r>
-            <a:r>
-              <a:rPr lang="ru-RU" sz="3500" dirty="0">
-                <a:solidFill>
-                  <a:srgbClr val="FFFFFF"/>
-                </a:solidFill>
-                <a:latin typeface="San Francisco Display Thin"/>
-              </a:rPr>
-              <a:t> бот для покупки билетов на поезд</a:t>
-            </a:r>
-          </a:p>
-          <a:p>
-            <a:pPr marL="457200" indent="-457200">
-              <a:buFont typeface="Arial" panose="020B0604020202020204" pitchFamily="34" charset="0"/>
-              <a:buChar char="•"/>
+              <a:rPr lang="ru-RU" dirty="0"/>
+              <a:t>Придумываем продукт на семестр</a:t>
+            </a:r>
+            <a:endParaRPr dirty="0"/>
+          </a:p>
+        </p:txBody>
+      </p:sp>
+      <p:sp>
+        <p:nvSpPr>
+          <p:cNvPr id="11" name="Shape 704">
+            <a:extLst>
+              <a:ext uri="{FF2B5EF4-FFF2-40B4-BE49-F238E27FC236}">
+                <a16:creationId xmlns:a16="http://schemas.microsoft.com/office/drawing/2014/main" id="{EBA364FF-4696-A84C-986D-4D691241B7E7}"/>
+              </a:ext>
+            </a:extLst>
+          </p:cNvPr>
+          <p:cNvSpPr/>
+          <p:nvPr/>
+        </p:nvSpPr>
+        <p:spPr>
+          <a:xfrm>
+            <a:off x="14704407" y="5486400"/>
+            <a:ext cx="3896211" cy="1077218"/>
+          </a:xfrm>
+          <a:prstGeom prst="rect">
+            <a:avLst/>
+          </a:prstGeom>
+          <a:ln w="12700">
+            <a:miter lim="400000"/>
+          </a:ln>
+          <a:extLst>
+            <a:ext uri="{C572A759-6A51-4108-AA02-DFA0A04FC94B}">
+              <ma14:wrappingTextBoxFlag xmlns="" xmlns:ma14="http://schemas.microsoft.com/office/mac/drawingml/2011/main" val="1"/>
+            </a:ext>
+          </a:extLst>
+        </p:spPr>
+        <p:txBody>
+          <a:bodyPr wrap="square" lIns="0" tIns="0" rIns="0" bIns="0">
+            <a:spAutoFit/>
+          </a:bodyPr>
+          <a:lstStyle/>
+          <a:p>
+            <a:pPr>
               <a:defRPr sz="3500">
                 <a:solidFill>
                   <a:srgbClr val="FFFFFF"/>
@@ -6390,134 +7044,9 @@
               </a:defRPr>
             </a:pPr>
             <a:r>
-              <a:rPr lang="ru-RU" sz="3500" dirty="0">
-                <a:solidFill>
-                  <a:srgbClr val="FFFFFF"/>
-                </a:solidFill>
-                <a:latin typeface="San Francisco Display Thin"/>
-              </a:rPr>
-              <a:t>Мобильное приложение которое делает полноразмерные маски, как в </a:t>
-            </a:r>
-            <a:r>
-              <a:rPr lang="ru-RU" sz="3500" dirty="0" err="1">
-                <a:solidFill>
-                  <a:srgbClr val="FFFFFF"/>
-                </a:solidFill>
-                <a:latin typeface="San Francisco Display Thin"/>
-              </a:rPr>
-              <a:t>инстаграм</a:t>
-            </a:r>
-            <a:endParaRPr lang="ru-RU" sz="3500" dirty="0">
-              <a:solidFill>
-                <a:srgbClr val="FFFFFF"/>
-              </a:solidFill>
-              <a:latin typeface="San Francisco Display Thin"/>
-            </a:endParaRPr>
-          </a:p>
-          <a:p>
-            <a:pPr marL="457200" indent="-457200">
-              <a:buFont typeface="Arial" panose="020B0604020202020204" pitchFamily="34" charset="0"/>
-              <a:buChar char="•"/>
-              <a:defRPr sz="3500">
-                <a:solidFill>
-                  <a:srgbClr val="FFFFFF"/>
-                </a:solidFill>
-                <a:latin typeface="San Francisco Display Thin"/>
-                <a:ea typeface="San Francisco Display Thin"/>
-                <a:cs typeface="San Francisco Display Thin"/>
-                <a:sym typeface="San Francisco Display Thin"/>
-              </a:defRPr>
-            </a:pPr>
-            <a:r>
-              <a:rPr lang="ru-RU" sz="3500" dirty="0">
-                <a:solidFill>
-                  <a:srgbClr val="FFFFFF"/>
-                </a:solidFill>
-                <a:latin typeface="San Francisco Display Thin"/>
-              </a:rPr>
-              <a:t>Приложение для учета бюджета, с системой скидок (анализируем траты пользователей)</a:t>
-            </a:r>
-          </a:p>
-          <a:p>
-            <a:pPr marL="457200" indent="-457200">
-              <a:buFont typeface="Arial" panose="020B0604020202020204" pitchFamily="34" charset="0"/>
-              <a:buChar char="•"/>
-              <a:defRPr sz="3500">
-                <a:solidFill>
-                  <a:srgbClr val="FFFFFF"/>
-                </a:solidFill>
-                <a:latin typeface="San Francisco Display Thin"/>
-                <a:ea typeface="San Francisco Display Thin"/>
-                <a:cs typeface="San Francisco Display Thin"/>
-                <a:sym typeface="San Francisco Display Thin"/>
-              </a:defRPr>
-            </a:pPr>
-            <a:r>
-              <a:rPr lang="ru-RU" sz="3500" dirty="0">
-                <a:solidFill>
-                  <a:srgbClr val="FFFFFF"/>
-                </a:solidFill>
-                <a:latin typeface="San Francisco Display Thin"/>
-              </a:rPr>
-              <a:t>Программный комплекс для ведения подкастов</a:t>
-            </a:r>
-          </a:p>
-          <a:p>
-            <a:pPr marL="457200" indent="-457200">
-              <a:buFont typeface="Arial" panose="020B0604020202020204" pitchFamily="34" charset="0"/>
-              <a:buChar char="•"/>
-              <a:defRPr sz="3500">
-                <a:solidFill>
-                  <a:srgbClr val="FFFFFF"/>
-                </a:solidFill>
-                <a:latin typeface="San Francisco Display Thin"/>
-                <a:ea typeface="San Francisco Display Thin"/>
-                <a:cs typeface="San Francisco Display Thin"/>
-                <a:sym typeface="San Francisco Display Thin"/>
-              </a:defRPr>
-            </a:pPr>
-            <a:r>
-              <a:rPr lang="ru-RU" sz="3500" dirty="0">
-                <a:solidFill>
-                  <a:srgbClr val="FFFFFF"/>
-                </a:solidFill>
-                <a:latin typeface="San Francisco Display Thin"/>
-              </a:rPr>
-              <a:t>Система для привлечения сотрудников через реферальные программы (</a:t>
-            </a:r>
-            <a:r>
-              <a:rPr lang="ru-RU" sz="3500" dirty="0" err="1">
-                <a:solidFill>
-                  <a:srgbClr val="FFFFFF"/>
-                </a:solidFill>
-                <a:latin typeface="San Francisco Display Thin"/>
-              </a:rPr>
-              <a:t>найм</a:t>
-            </a:r>
-            <a:r>
-              <a:rPr lang="ru-RU" sz="3500" dirty="0">
-                <a:solidFill>
-                  <a:srgbClr val="FFFFFF"/>
-                </a:solidFill>
-                <a:latin typeface="San Francisco Display Thin"/>
-              </a:rPr>
-              <a:t> сотрудников)</a:t>
-            </a:r>
-          </a:p>
-          <a:p>
-            <a:pPr marL="457200" indent="-457200">
-              <a:buFont typeface="Arial" panose="020B0604020202020204" pitchFamily="34" charset="0"/>
-              <a:buChar char="•"/>
-              <a:defRPr sz="3500">
-                <a:solidFill>
-                  <a:srgbClr val="FFFFFF"/>
-                </a:solidFill>
-                <a:latin typeface="San Francisco Display Thin"/>
-                <a:ea typeface="San Francisco Display Thin"/>
-                <a:cs typeface="San Francisco Display Thin"/>
-                <a:sym typeface="San Francisco Display Thin"/>
-              </a:defRPr>
-            </a:pPr>
+              <a:rPr lang="ru-RU" dirty="0"/>
+              <a:t>Строим бизнес-модель</a:t>
+            </a:r>
             <a:endParaRPr dirty="0"/>
           </a:p>
         </p:txBody>
@@ -6525,7 +7054,7 @@
     </p:spTree>
     <p:extLst>
       <p:ext uri="{BB962C8B-B14F-4D97-AF65-F5344CB8AC3E}">
-        <p14:creationId xmlns:p14="http://schemas.microsoft.com/office/powerpoint/2010/main" val="1070878219"/>
+        <p14:creationId xmlns:p14="http://schemas.microsoft.com/office/powerpoint/2010/main" val="166007135"/>
       </p:ext>
     </p:extLst>
   </p:cSld>
@@ -6588,20 +7117,14 @@
       </p:sp>
       <p:sp>
         <p:nvSpPr>
-          <p:cNvPr id="11" name="Shape 704">
-            <a:extLst>
-              <a:ext uri="{FF2B5EF4-FFF2-40B4-BE49-F238E27FC236}">
-                <a16:creationId xmlns:a16="http://schemas.microsoft.com/office/drawing/2014/main" id="{13AF19C4-3475-A040-9B34-92800CE40BFB}"/>
-              </a:ext>
-            </a:extLst>
-          </p:cNvPr>
+          <p:cNvPr id="704" name="Shape 704"/>
           <p:cNvSpPr/>
           <p:nvPr/>
         </p:nvSpPr>
         <p:spPr>
           <a:xfrm>
-            <a:off x="8599667" y="476294"/>
-            <a:ext cx="2917465" cy="538609"/>
+            <a:off x="8102735" y="1090449"/>
+            <a:ext cx="3911327" cy="538609"/>
           </a:xfrm>
           <a:prstGeom prst="rect">
             <a:avLst/>
@@ -6634,7 +7157,7 @@
             </a:pPr>
             <a:r>
               <a:rPr lang="ru-RU" dirty="0"/>
-              <a:t>Бизнес-модель</a:t>
+              <a:t>Примеры продуктов</a:t>
             </a:r>
             <a:endParaRPr dirty="0"/>
           </a:p>
@@ -6642,10 +7165,10 @@
       </p:sp>
       <p:sp>
         <p:nvSpPr>
-          <p:cNvPr id="5" name="Shape 704">
+          <p:cNvPr id="14" name="Shape 704">
             <a:extLst>
               <a:ext uri="{FF2B5EF4-FFF2-40B4-BE49-F238E27FC236}">
-                <a16:creationId xmlns:a16="http://schemas.microsoft.com/office/drawing/2014/main" id="{0A116A89-2023-1C47-B747-E0087096C389}"/>
+                <a16:creationId xmlns:a16="http://schemas.microsoft.com/office/drawing/2014/main" id="{BC7BB8C1-6BDC-384E-8C26-D5FD21B9FF25}"/>
               </a:ext>
             </a:extLst>
           </p:cNvPr>
@@ -6654,8 +7177,8 @@
         </p:nvSpPr>
         <p:spPr>
           <a:xfrm>
-            <a:off x="1119253" y="4383571"/>
-            <a:ext cx="14960827" cy="538609"/>
+            <a:off x="1151859" y="3902918"/>
+            <a:ext cx="18101109" cy="4308872"/>
           </a:xfrm>
           <a:prstGeom prst="rect">
             <a:avLst/>
@@ -6675,7 +7198,9 @@
           </a:bodyPr>
           <a:lstStyle/>
           <a:p>
-            <a:pPr>
+            <a:pPr marL="457200" indent="-457200">
+              <a:buFont typeface="Arial" panose="020B0604020202020204" pitchFamily="34" charset="0"/>
+              <a:buChar char="•"/>
               <a:defRPr sz="3500">
                 <a:solidFill>
                   <a:srgbClr val="FFFFFF"/>
@@ -6687,53 +7212,26 @@
               </a:defRPr>
             </a:pPr>
             <a:r>
-              <a:rPr lang="ru-RU" sz="3500" dirty="0">
-                <a:solidFill>
-                  <a:srgbClr val="FFFFFF"/>
-                </a:solidFill>
-                <a:latin typeface="San Francisco Display Thin"/>
-              </a:rPr>
-              <a:t>Приложение для студентов с расписанием и общением с преподавателями</a:t>
-            </a:r>
-          </a:p>
-        </p:txBody>
-      </p:sp>
-      <p:sp>
-        <p:nvSpPr>
-          <p:cNvPr id="6" name="Shape 704">
-            <a:extLst>
-              <a:ext uri="{FF2B5EF4-FFF2-40B4-BE49-F238E27FC236}">
-                <a16:creationId xmlns:a16="http://schemas.microsoft.com/office/drawing/2014/main" id="{2D883EC6-3AD5-0C4D-9258-CDF5F90C2DF4}"/>
-              </a:ext>
-            </a:extLst>
-          </p:cNvPr>
-          <p:cNvSpPr/>
-          <p:nvPr/>
-        </p:nvSpPr>
-        <p:spPr>
-          <a:xfrm>
-            <a:off x="1119253" y="3294072"/>
-            <a:ext cx="1094852" cy="538609"/>
-          </a:xfrm>
-          <a:prstGeom prst="rect">
-            <a:avLst/>
-          </a:prstGeom>
-          <a:ln w="12700">
-            <a:miter lim="400000"/>
-          </a:ln>
-          <a:extLst>
-            <a:ext uri="{C572A759-6A51-4108-AA02-DFA0A04FC94B}">
-              <ma14:wrappingTextBoxFlag xmlns="" xmlns:ma14="http://schemas.microsoft.com/office/mac/drawingml/2011/main" val="1"/>
-            </a:ext>
-          </a:extLst>
-        </p:spPr>
-        <p:txBody>
-          <a:bodyPr wrap="none" lIns="0" tIns="0" rIns="0" bIns="0">
-            <a:spAutoFit/>
-          </a:bodyPr>
-          <a:lstStyle/>
-          <a:p>
-            <a:pPr>
+              <a:rPr lang="en-US" dirty="0"/>
+              <a:t>CRM-</a:t>
+            </a:r>
+            <a:r>
+              <a:rPr lang="en-US" dirty="0" err="1"/>
+              <a:t>с</a:t>
+            </a:r>
+            <a:r>
+              <a:rPr lang="ru-RU" dirty="0" err="1"/>
+              <a:t>истема</a:t>
+            </a:r>
+            <a:r>
+              <a:rPr lang="ru-RU" dirty="0"/>
+              <a:t> для стоматологии + Лэндинг</a:t>
+            </a:r>
+          </a:p>
+          <a:p>
+            <a:pPr marL="457200" indent="-457200">
+              <a:buFont typeface="Arial" panose="020B0604020202020204" pitchFamily="34" charset="0"/>
+              <a:buChar char="•"/>
               <a:defRPr sz="3500">
                 <a:solidFill>
                   <a:srgbClr val="FFFFFF"/>
@@ -6746,52 +7244,21 @@
             </a:pPr>
             <a:r>
               <a:rPr lang="ru-RU" dirty="0"/>
-              <a:t>Идея</a:t>
-            </a:r>
-            <a:r>
-              <a:rPr lang="en-US" dirty="0"/>
-              <a:t>:</a:t>
-            </a:r>
-            <a:endParaRPr dirty="0"/>
-          </a:p>
-        </p:txBody>
-      </p:sp>
-      <p:sp>
-        <p:nvSpPr>
-          <p:cNvPr id="7" name="Shape 704">
-            <a:extLst>
-              <a:ext uri="{FF2B5EF4-FFF2-40B4-BE49-F238E27FC236}">
-                <a16:creationId xmlns:a16="http://schemas.microsoft.com/office/drawing/2014/main" id="{D45C4DBB-016C-3145-9480-4F9AA0F2EFBF}"/>
-              </a:ext>
-            </a:extLst>
-          </p:cNvPr>
-          <p:cNvSpPr/>
-          <p:nvPr/>
-        </p:nvSpPr>
-        <p:spPr>
-          <a:xfrm>
-            <a:off x="1119253" y="6050621"/>
-            <a:ext cx="5748369" cy="538609"/>
-          </a:xfrm>
-          <a:prstGeom prst="rect">
-            <a:avLst/>
-          </a:prstGeom>
-          <a:ln w="12700">
-            <a:miter lim="400000"/>
-          </a:ln>
-          <a:extLst>
-            <a:ext uri="{C572A759-6A51-4108-AA02-DFA0A04FC94B}">
-              <ma14:wrappingTextBoxFlag xmlns="" xmlns:ma14="http://schemas.microsoft.com/office/mac/drawingml/2011/main" val="1"/>
-            </a:ext>
-          </a:extLst>
-        </p:spPr>
-        <p:txBody>
-          <a:bodyPr wrap="none" lIns="0" tIns="0" rIns="0" bIns="0">
-            <a:spAutoFit/>
-          </a:bodyPr>
-          <a:lstStyle/>
-          <a:p>
-            <a:pPr>
+              <a:t>Продукт по </a:t>
+            </a:r>
+            <a:r>
+              <a:rPr lang="ru-RU" dirty="0" err="1"/>
+              <a:t>шарингу</a:t>
+            </a:r>
+            <a:r>
+              <a:rPr lang="ru-RU" dirty="0"/>
+              <a:t> книг, игровых консолей, настольных игр (развлечений)</a:t>
+            </a:r>
+          </a:p>
+          <a:p>
+            <a:pPr marL="457200" indent="-457200">
+              <a:buFont typeface="Arial" panose="020B0604020202020204" pitchFamily="34" charset="0"/>
+              <a:buChar char="•"/>
               <a:defRPr sz="3500">
                 <a:solidFill>
                   <a:srgbClr val="FFFFFF"/>
@@ -6803,23 +7270,38 @@
               </a:defRPr>
             </a:pPr>
             <a:r>
+              <a:rPr lang="ru-RU" sz="3500" dirty="0" err="1">
+                <a:solidFill>
+                  <a:srgbClr val="FFFFFF"/>
+                </a:solidFill>
+                <a:latin typeface="San Francisco Display Thin"/>
+              </a:rPr>
+              <a:t>Телеграм</a:t>
+            </a:r>
+            <a:r>
               <a:rPr lang="ru-RU" sz="3500" dirty="0">
                 <a:solidFill>
                   <a:srgbClr val="FFFFFF"/>
                 </a:solidFill>
                 <a:latin typeface="San Francisco Display Thin"/>
               </a:rPr>
-              <a:t>Заполняем ее в </a:t>
-            </a:r>
-            <a:r>
-              <a:rPr lang="en-US" sz="3500" dirty="0">
+              <a:t> бот для покупки билетов на поезд</a:t>
+            </a:r>
+          </a:p>
+          <a:p>
+            <a:pPr marL="457200" indent="-457200">
+              <a:buFont typeface="Arial" panose="020B0604020202020204" pitchFamily="34" charset="0"/>
+              <a:buChar char="•"/>
+              <a:defRPr sz="3500">
                 <a:solidFill>
                   <a:srgbClr val="FFFFFF"/>
                 </a:solidFill>
                 <a:latin typeface="San Francisco Display Thin"/>
-              </a:rPr>
-              <a:t>MIRO</a:t>
-            </a:r>
+                <a:ea typeface="San Francisco Display Thin"/>
+                <a:cs typeface="San Francisco Display Thin"/>
+                <a:sym typeface="San Francisco Display Thin"/>
+              </a:defRPr>
+            </a:pPr>
             <a:r>
               <a:rPr lang="ru-RU" sz="3500" dirty="0">
                 <a:solidFill>
@@ -6827,15 +7309,136 @@
                 </a:solidFill>
                 <a:latin typeface="San Francisco Display Thin"/>
               </a:rPr>
-              <a:t> вместе</a:t>
-            </a:r>
+              <a:t>Мобильное приложение которое делает полноразмерные маски, как в </a:t>
+            </a:r>
+            <a:r>
+              <a:rPr lang="ru-RU" sz="3500" dirty="0" err="1">
+                <a:solidFill>
+                  <a:srgbClr val="FFFFFF"/>
+                </a:solidFill>
+                <a:latin typeface="San Francisco Display Thin"/>
+              </a:rPr>
+              <a:t>инстаграм</a:t>
+            </a:r>
+            <a:endParaRPr lang="ru-RU" sz="3500" dirty="0">
+              <a:solidFill>
+                <a:srgbClr val="FFFFFF"/>
+              </a:solidFill>
+              <a:latin typeface="San Francisco Display Thin"/>
+            </a:endParaRPr>
+          </a:p>
+          <a:p>
+            <a:pPr marL="457200" indent="-457200">
+              <a:buFont typeface="Arial" panose="020B0604020202020204" pitchFamily="34" charset="0"/>
+              <a:buChar char="•"/>
+              <a:defRPr sz="3500">
+                <a:solidFill>
+                  <a:srgbClr val="FFFFFF"/>
+                </a:solidFill>
+                <a:latin typeface="San Francisco Display Thin"/>
+                <a:ea typeface="San Francisco Display Thin"/>
+                <a:cs typeface="San Francisco Display Thin"/>
+                <a:sym typeface="San Francisco Display Thin"/>
+              </a:defRPr>
+            </a:pPr>
+            <a:r>
+              <a:rPr lang="ru-RU" sz="3500" dirty="0">
+                <a:solidFill>
+                  <a:srgbClr val="FFFFFF"/>
+                </a:solidFill>
+                <a:latin typeface="San Francisco Display Thin"/>
+              </a:rPr>
+              <a:t>Приложение для учета бюджета, с системой скидок (анализируем траты пользователей)</a:t>
+            </a:r>
+          </a:p>
+          <a:p>
+            <a:pPr marL="457200" indent="-457200">
+              <a:buFont typeface="Arial" panose="020B0604020202020204" pitchFamily="34" charset="0"/>
+              <a:buChar char="•"/>
+              <a:defRPr sz="3500">
+                <a:solidFill>
+                  <a:srgbClr val="FFFFFF"/>
+                </a:solidFill>
+                <a:latin typeface="San Francisco Display Thin"/>
+                <a:ea typeface="San Francisco Display Thin"/>
+                <a:cs typeface="San Francisco Display Thin"/>
+                <a:sym typeface="San Francisco Display Thin"/>
+              </a:defRPr>
+            </a:pPr>
+            <a:r>
+              <a:rPr lang="ru-RU" sz="3500" dirty="0">
+                <a:solidFill>
+                  <a:srgbClr val="FFFFFF"/>
+                </a:solidFill>
+                <a:latin typeface="San Francisco Display Thin"/>
+              </a:rPr>
+              <a:t>Программный комплекс для ведения подкастов</a:t>
+            </a:r>
+          </a:p>
+          <a:p>
+            <a:pPr marL="457200" indent="-457200">
+              <a:buFont typeface="Arial" panose="020B0604020202020204" pitchFamily="34" charset="0"/>
+              <a:buChar char="•"/>
+              <a:defRPr sz="3500">
+                <a:solidFill>
+                  <a:srgbClr val="FFFFFF"/>
+                </a:solidFill>
+                <a:latin typeface="San Francisco Display Thin"/>
+                <a:ea typeface="San Francisco Display Thin"/>
+                <a:cs typeface="San Francisco Display Thin"/>
+                <a:sym typeface="San Francisco Display Thin"/>
+              </a:defRPr>
+            </a:pPr>
+            <a:r>
+              <a:rPr lang="ru-RU" sz="3500" dirty="0">
+                <a:solidFill>
+                  <a:srgbClr val="FFFFFF"/>
+                </a:solidFill>
+                <a:latin typeface="San Francisco Display Thin"/>
+              </a:rPr>
+              <a:t>Система для привлечения сотрудников через реферальные программы (</a:t>
+            </a:r>
+            <a:r>
+              <a:rPr lang="ru-RU" sz="3500" dirty="0" err="1">
+                <a:solidFill>
+                  <a:srgbClr val="FFFFFF"/>
+                </a:solidFill>
+                <a:latin typeface="San Francisco Display Thin"/>
+              </a:rPr>
+              <a:t>найм</a:t>
+            </a:r>
+            <a:r>
+              <a:rPr lang="ru-RU" sz="3500" dirty="0">
+                <a:solidFill>
+                  <a:srgbClr val="FFFFFF"/>
+                </a:solidFill>
+                <a:latin typeface="San Francisco Display Thin"/>
+              </a:rPr>
+              <a:t> сотрудников)</a:t>
+            </a:r>
+          </a:p>
+          <a:p>
+            <a:pPr marL="457200" indent="-457200">
+              <a:buFont typeface="Arial" panose="020B0604020202020204" pitchFamily="34" charset="0"/>
+              <a:buChar char="•"/>
+              <a:defRPr sz="3500">
+                <a:solidFill>
+                  <a:srgbClr val="FFFFFF"/>
+                </a:solidFill>
+                <a:latin typeface="San Francisco Display Thin"/>
+                <a:ea typeface="San Francisco Display Thin"/>
+                <a:cs typeface="San Francisco Display Thin"/>
+                <a:sym typeface="San Francisco Display Thin"/>
+              </a:defRPr>
+            </a:pPr>
+            <a:endParaRPr dirty="0"/>
           </a:p>
         </p:txBody>
       </p:sp>
     </p:spTree>
     <p:extLst>
       <p:ext uri="{BB962C8B-B14F-4D97-AF65-F5344CB8AC3E}">
-        <p14:creationId xmlns:p14="http://schemas.microsoft.com/office/powerpoint/2010/main" val="772488135"/>
+        <p14:creationId xmlns:p14="http://schemas.microsoft.com/office/powerpoint/2010/main" val="1070878219"/>
       </p:ext>
     </p:extLst>
   </p:cSld>
@@ -6910,8 +7513,8 @@
         </p:nvSpPr>
         <p:spPr>
           <a:xfrm>
-            <a:off x="7043149" y="143127"/>
-            <a:ext cx="6030497" cy="538609"/>
+            <a:off x="8599667" y="476294"/>
+            <a:ext cx="2917465" cy="538609"/>
           </a:xfrm>
           <a:prstGeom prst="rect">
             <a:avLst/>
@@ -6943,138 +7546,209 @@
               </a:defRPr>
             </a:pPr>
             <a:r>
-              <a:rPr lang="ru-RU" dirty="0">
-                <a:solidFill>
-                  <a:schemeClr val="bg1"/>
-                </a:solidFill>
-              </a:rPr>
-              <a:t>Бизнес-модель </a:t>
-            </a:r>
-            <a:r>
-              <a:rPr lang="ru-RU" b="0" i="0" dirty="0" err="1">
-                <a:solidFill>
-                  <a:schemeClr val="bg1"/>
-                </a:solidFill>
-                <a:effectLst/>
-                <a:latin typeface="Graphik"/>
-              </a:rPr>
-              <a:t>Остервальдера</a:t>
-            </a:r>
-            <a:r>
-              <a:rPr lang="ru-RU" dirty="0">
-                <a:solidFill>
-                  <a:schemeClr val="bg1"/>
-                </a:solidFill>
-              </a:rPr>
-              <a:t> </a:t>
-            </a:r>
-            <a:endParaRPr dirty="0">
-              <a:solidFill>
-                <a:schemeClr val="bg1"/>
-              </a:solidFill>
-            </a:endParaRPr>
+              <a:rPr lang="ru-RU" dirty="0"/>
+              <a:t>Бизнес-модель</a:t>
+            </a:r>
+            <a:endParaRPr dirty="0"/>
           </a:p>
         </p:txBody>
       </p:sp>
       <p:sp>
         <p:nvSpPr>
-          <p:cNvPr id="4" name="TextBox 3">
+          <p:cNvPr id="5" name="Shape 704">
             <a:extLst>
               <a:ext uri="{FF2B5EF4-FFF2-40B4-BE49-F238E27FC236}">
-                <a16:creationId xmlns:a16="http://schemas.microsoft.com/office/drawing/2014/main" id="{5DF97205-734F-CBE3-0F00-746CA86B6272}"/>
+                <a16:creationId xmlns:a16="http://schemas.microsoft.com/office/drawing/2014/main" id="{0A116A89-2023-1C47-B747-E0087096C389}"/>
               </a:ext>
             </a:extLst>
           </p:cNvPr>
-          <p:cNvSpPr txBox="1"/>
+          <p:cNvSpPr/>
           <p:nvPr/>
         </p:nvSpPr>
         <p:spPr>
           <a:xfrm>
-            <a:off x="8290608" y="610979"/>
-            <a:ext cx="3535581" cy="538607"/>
+            <a:off x="1119253" y="4383571"/>
+            <a:ext cx="14960827" cy="538609"/>
           </a:xfrm>
           <a:prstGeom prst="rect">
             <a:avLst/>
           </a:prstGeom>
-          <a:noFill/>
-          <a:ln w="12700" cap="flat">
-            <a:noFill/>
+          <a:ln w="12700">
             <a:miter lim="400000"/>
           </a:ln>
-          <a:effectLst/>
-          <a:sp3d/>
+          <a:extLst>
+            <a:ext uri="{C572A759-6A51-4108-AA02-DFA0A04FC94B}">
+              <ma14:wrappingTextBoxFlag xmlns="" xmlns:ma14="http://schemas.microsoft.com/office/mac/drawingml/2011/main" val="1"/>
+            </a:ext>
+          </a:extLst>
         </p:spPr>
-        <p:style>
-          <a:lnRef idx="0">
-            <a:scrgbClr r="0" g="0" b="0"/>
-          </a:lnRef>
-          <a:fillRef idx="0">
-            <a:scrgbClr r="0" g="0" b="0"/>
-          </a:fillRef>
-          <a:effectRef idx="0">
-            <a:scrgbClr r="0" g="0" b="0"/>
-          </a:effectRef>
-          <a:fontRef idx="none"/>
-        </p:style>
         <p:txBody>
-          <a:bodyPr rot="0" spcFirstLastPara="1" vertOverflow="overflow" horzOverflow="overflow" vert="horz" wrap="none" lIns="45719" tIns="45719" rIns="45719" bIns="45719" numCol="1" spcCol="38100" rtlCol="0" anchor="t">
+          <a:bodyPr wrap="none" lIns="0" tIns="0" rIns="0" bIns="0">
             <a:spAutoFit/>
           </a:bodyPr>
           <a:lstStyle/>
           <a:p>
-            <a:r>
-              <a:rPr lang="en" b="1" i="0" dirty="0">
-                <a:solidFill>
-                  <a:schemeClr val="bg1"/>
-                </a:solidFill>
-                <a:effectLst/>
-                <a:latin typeface="wfont_72d90e_100554fd70b74999b883405e3b62e6fb"/>
-              </a:rPr>
-              <a:t>Business Model Canva</a:t>
+            <a:pPr>
+              <a:defRPr sz="3500">
+                <a:solidFill>
+                  <a:srgbClr val="FFFFFF"/>
+                </a:solidFill>
+                <a:latin typeface="San Francisco Display Thin"/>
+                <a:ea typeface="San Francisco Display Thin"/>
+                <a:cs typeface="San Francisco Display Thin"/>
+                <a:sym typeface="San Francisco Display Thin"/>
+              </a:defRPr>
+            </a:pPr>
+            <a:r>
+              <a:rPr lang="ru-RU" sz="3500" dirty="0">
+                <a:solidFill>
+                  <a:srgbClr val="FFFFFF"/>
+                </a:solidFill>
+                <a:latin typeface="San Francisco Display Thin"/>
+              </a:rPr>
+              <a:t>Приложение для студентов с расписанием и общением с преподавателями</a:t>
             </a:r>
           </a:p>
         </p:txBody>
       </p:sp>
-      <p:pic>
-        <p:nvPicPr>
-          <p:cNvPr id="5" name="Рисунок 4">
+      <p:sp>
+        <p:nvSpPr>
+          <p:cNvPr id="6" name="Shape 704">
             <a:extLst>
               <a:ext uri="{FF2B5EF4-FFF2-40B4-BE49-F238E27FC236}">
-                <a16:creationId xmlns:a16="http://schemas.microsoft.com/office/drawing/2014/main" id="{A3B48BA5-0341-956E-049D-D0089DDB9205}"/>
+                <a16:creationId xmlns:a16="http://schemas.microsoft.com/office/drawing/2014/main" id="{2D883EC6-3AD5-0C4D-9258-CDF5F90C2DF4}"/>
               </a:ext>
             </a:extLst>
           </p:cNvPr>
-          <p:cNvPicPr>
-            <a:picLocks noChangeAspect="1"/>
-          </p:cNvPicPr>
+          <p:cNvSpPr/>
           <p:nvPr/>
-        </p:nvPicPr>
-        <p:blipFill>
-          <a:blip r:embed="rId3">
-            <a:extLst>
-              <a:ext uri="{28A0092B-C50C-407E-A947-70E740481C1C}">
-                <a14:useLocalDpi xmlns:a14="http://schemas.microsoft.com/office/drawing/2010/main" val="0"/>
-              </a:ext>
-            </a:extLst>
-          </a:blip>
-          <a:stretch>
-            <a:fillRect/>
-          </a:stretch>
-        </p:blipFill>
+        </p:nvSpPr>
         <p:spPr>
           <a:xfrm>
-            <a:off x="3053030" y="1617438"/>
-            <a:ext cx="15038258" cy="8922394"/>
+            <a:off x="1119253" y="3294072"/>
+            <a:ext cx="1094852" cy="538609"/>
           </a:xfrm>
           <a:prstGeom prst="rect">
             <a:avLst/>
           </a:prstGeom>
+          <a:ln w="12700">
+            <a:miter lim="400000"/>
+          </a:ln>
+          <a:extLst>
+            <a:ext uri="{C572A759-6A51-4108-AA02-DFA0A04FC94B}">
+              <ma14:wrappingTextBoxFlag xmlns="" xmlns:ma14="http://schemas.microsoft.com/office/mac/drawingml/2011/main" val="1"/>
+            </a:ext>
+          </a:extLst>
         </p:spPr>
-      </p:pic>
+        <p:txBody>
+          <a:bodyPr wrap="none" lIns="0" tIns="0" rIns="0" bIns="0">
+            <a:spAutoFit/>
+          </a:bodyPr>
+          <a:lstStyle/>
+          <a:p>
+            <a:pPr>
+              <a:defRPr sz="3500">
+                <a:solidFill>
+                  <a:srgbClr val="FFFFFF"/>
+                </a:solidFill>
+                <a:latin typeface="San Francisco Display Thin"/>
+                <a:ea typeface="San Francisco Display Thin"/>
+                <a:cs typeface="San Francisco Display Thin"/>
+                <a:sym typeface="San Francisco Display Thin"/>
+              </a:defRPr>
+            </a:pPr>
+            <a:r>
+              <a:rPr lang="ru-RU" dirty="0"/>
+              <a:t>Идея</a:t>
+            </a:r>
+            <a:r>
+              <a:rPr lang="en-US" dirty="0"/>
+              <a:t>:</a:t>
+            </a:r>
+            <a:endParaRPr dirty="0"/>
+          </a:p>
+        </p:txBody>
+      </p:sp>
+      <p:sp>
+        <p:nvSpPr>
+          <p:cNvPr id="7" name="Shape 704">
+            <a:extLst>
+              <a:ext uri="{FF2B5EF4-FFF2-40B4-BE49-F238E27FC236}">
+                <a16:creationId xmlns:a16="http://schemas.microsoft.com/office/drawing/2014/main" id="{D45C4DBB-016C-3145-9480-4F9AA0F2EFBF}"/>
+              </a:ext>
+            </a:extLst>
+          </p:cNvPr>
+          <p:cNvSpPr/>
+          <p:nvPr/>
+        </p:nvSpPr>
+        <p:spPr>
+          <a:xfrm>
+            <a:off x="1119253" y="6050621"/>
+            <a:ext cx="5748369" cy="538609"/>
+          </a:xfrm>
+          <a:prstGeom prst="rect">
+            <a:avLst/>
+          </a:prstGeom>
+          <a:ln w="12700">
+            <a:miter lim="400000"/>
+          </a:ln>
+          <a:extLst>
+            <a:ext uri="{C572A759-6A51-4108-AA02-DFA0A04FC94B}">
+              <ma14:wrappingTextBoxFlag xmlns="" xmlns:ma14="http://schemas.microsoft.com/office/mac/drawingml/2011/main" val="1"/>
+            </a:ext>
+          </a:extLst>
+        </p:spPr>
+        <p:txBody>
+          <a:bodyPr wrap="none" lIns="0" tIns="0" rIns="0" bIns="0">
+            <a:spAutoFit/>
+          </a:bodyPr>
+          <a:lstStyle/>
+          <a:p>
+            <a:pPr>
+              <a:defRPr sz="3500">
+                <a:solidFill>
+                  <a:srgbClr val="FFFFFF"/>
+                </a:solidFill>
+                <a:latin typeface="San Francisco Display Thin"/>
+                <a:ea typeface="San Francisco Display Thin"/>
+                <a:cs typeface="San Francisco Display Thin"/>
+                <a:sym typeface="San Francisco Display Thin"/>
+              </a:defRPr>
+            </a:pPr>
+            <a:r>
+              <a:rPr lang="ru-RU" sz="3500" dirty="0">
+                <a:solidFill>
+                  <a:srgbClr val="FFFFFF"/>
+                </a:solidFill>
+                <a:latin typeface="San Francisco Display Thin"/>
+              </a:rPr>
+              <a:t>Заполняем ее в </a:t>
+            </a:r>
+            <a:r>
+              <a:rPr lang="en-US" sz="3500" dirty="0">
+                <a:solidFill>
+                  <a:srgbClr val="FFFFFF"/>
+                </a:solidFill>
+                <a:latin typeface="San Francisco Display Thin"/>
+              </a:rPr>
+              <a:t>MIRO</a:t>
+            </a:r>
+            <a:r>
+              <a:rPr lang="ru-RU" sz="3500" dirty="0">
+                <a:solidFill>
+                  <a:srgbClr val="FFFFFF"/>
+                </a:solidFill>
+                <a:latin typeface="San Francisco Display Thin"/>
+              </a:rPr>
+              <a:t> вместе</a:t>
+            </a:r>
+          </a:p>
+        </p:txBody>
+      </p:sp>
     </p:spTree>
     <p:extLst>
       <p:ext uri="{BB962C8B-B14F-4D97-AF65-F5344CB8AC3E}">
-        <p14:creationId xmlns:p14="http://schemas.microsoft.com/office/powerpoint/2010/main" val="2557732281"/>
+        <p14:creationId xmlns:p14="http://schemas.microsoft.com/office/powerpoint/2010/main" val="772488135"/>
       </p:ext>
     </p:extLst>
   </p:cSld>
@@ -7137,14 +7811,20 @@
       </p:sp>
       <p:sp>
         <p:nvSpPr>
-          <p:cNvPr id="704" name="Shape 704"/>
+          <p:cNvPr id="11" name="Shape 704">
+            <a:extLst>
+              <a:ext uri="{FF2B5EF4-FFF2-40B4-BE49-F238E27FC236}">
+                <a16:creationId xmlns:a16="http://schemas.microsoft.com/office/drawing/2014/main" id="{13AF19C4-3475-A040-9B34-92800CE40BFB}"/>
+              </a:ext>
+            </a:extLst>
+          </p:cNvPr>
           <p:cNvSpPr/>
           <p:nvPr/>
         </p:nvSpPr>
         <p:spPr>
           <a:xfrm>
-            <a:off x="9048508" y="4947791"/>
-            <a:ext cx="2019784" cy="538609"/>
+            <a:off x="5549951" y="118536"/>
+            <a:ext cx="10044416" cy="492443"/>
           </a:xfrm>
           <a:prstGeom prst="rect">
             <a:avLst/>
@@ -7176,17 +7856,175 @@
               </a:defRPr>
             </a:pPr>
             <a:r>
-              <a:rPr lang="en-US" dirty="0"/>
-              <a:t>QA Session</a:t>
-            </a:r>
-            <a:endParaRPr dirty="0"/>
+              <a:rPr lang="ru-RU" sz="3200" dirty="0">
+                <a:solidFill>
+                  <a:schemeClr val="bg1"/>
+                </a:solidFill>
+                <a:cs typeface="+mn-cs"/>
+              </a:rPr>
+              <a:t>Бизнес-модель </a:t>
+            </a:r>
+            <a:r>
+              <a:rPr lang="ru-RU" sz="3200" b="0" i="0" dirty="0">
+                <a:solidFill>
+                  <a:schemeClr val="bg1"/>
+                </a:solidFill>
+                <a:effectLst/>
+                <a:latin typeface="Arial" panose="020B0604020202020204" pitchFamily="34" charset="0"/>
+                <a:cs typeface="+mn-cs"/>
+              </a:rPr>
+              <a:t>Александр </a:t>
+            </a:r>
+            <a:r>
+              <a:rPr lang="ru-RU" sz="3200" b="0" i="0" dirty="0" err="1">
+                <a:solidFill>
+                  <a:schemeClr val="bg1"/>
+                </a:solidFill>
+                <a:effectLst/>
+                <a:latin typeface="Arial" panose="020B0604020202020204" pitchFamily="34" charset="0"/>
+                <a:cs typeface="+mn-cs"/>
+              </a:rPr>
+              <a:t>Остервальдер</a:t>
+            </a:r>
+            <a:r>
+              <a:rPr lang="ru-RU" sz="3200" b="0" i="0" dirty="0">
+                <a:solidFill>
+                  <a:schemeClr val="bg1"/>
+                </a:solidFill>
+                <a:effectLst/>
+                <a:latin typeface="Arial" panose="020B0604020202020204" pitchFamily="34" charset="0"/>
+                <a:cs typeface="+mn-cs"/>
+              </a:rPr>
+              <a:t> и Ив </a:t>
+            </a:r>
+            <a:r>
+              <a:rPr lang="ru-RU" sz="3200" b="0" i="0" dirty="0" err="1">
+                <a:solidFill>
+                  <a:schemeClr val="bg1"/>
+                </a:solidFill>
+                <a:effectLst/>
+                <a:latin typeface="Arial" panose="020B0604020202020204" pitchFamily="34" charset="0"/>
+                <a:cs typeface="+mn-cs"/>
+              </a:rPr>
+              <a:t>Пинье</a:t>
+            </a:r>
+            <a:r>
+              <a:rPr lang="ru-RU" sz="3200" dirty="0">
+                <a:solidFill>
+                  <a:schemeClr val="bg1"/>
+                </a:solidFill>
+                <a:cs typeface="+mn-cs"/>
+              </a:rPr>
+              <a:t> </a:t>
+            </a:r>
+            <a:endParaRPr sz="3200" dirty="0">
+              <a:solidFill>
+                <a:schemeClr val="bg1"/>
+              </a:solidFill>
+              <a:cs typeface="+mn-cs"/>
+            </a:endParaRPr>
           </a:p>
         </p:txBody>
       </p:sp>
+      <p:sp>
+        <p:nvSpPr>
+          <p:cNvPr id="4" name="TextBox 3">
+            <a:extLst>
+              <a:ext uri="{FF2B5EF4-FFF2-40B4-BE49-F238E27FC236}">
+                <a16:creationId xmlns:a16="http://schemas.microsoft.com/office/drawing/2014/main" id="{5DF97205-734F-CBE3-0F00-746CA86B6272}"/>
+              </a:ext>
+            </a:extLst>
+          </p:cNvPr>
+          <p:cNvSpPr txBox="1"/>
+          <p:nvPr/>
+        </p:nvSpPr>
+        <p:spPr>
+          <a:xfrm>
+            <a:off x="8290608" y="610979"/>
+            <a:ext cx="3535581" cy="538607"/>
+          </a:xfrm>
+          <a:prstGeom prst="rect">
+            <a:avLst/>
+          </a:prstGeom>
+          <a:noFill/>
+          <a:ln w="12700" cap="flat">
+            <a:noFill/>
+            <a:miter lim="400000"/>
+          </a:ln>
+          <a:effectLst/>
+          <a:sp3d/>
+        </p:spPr>
+        <p:style>
+          <a:lnRef idx="0">
+            <a:scrgbClr r="0" g="0" b="0"/>
+          </a:lnRef>
+          <a:fillRef idx="0">
+            <a:scrgbClr r="0" g="0" b="0"/>
+          </a:fillRef>
+          <a:effectRef idx="0">
+            <a:scrgbClr r="0" g="0" b="0"/>
+          </a:effectRef>
+          <a:fontRef idx="none"/>
+        </p:style>
+        <p:txBody>
+          <a:bodyPr rot="0" spcFirstLastPara="1" vertOverflow="overflow" horzOverflow="overflow" vert="horz" wrap="none" lIns="45719" tIns="45719" rIns="45719" bIns="45719" numCol="1" spcCol="38100" rtlCol="0" anchor="t">
+            <a:spAutoFit/>
+          </a:bodyPr>
+          <a:lstStyle/>
+          <a:p>
+            <a:r>
+              <a:rPr lang="en" b="1" i="0" dirty="0">
+                <a:solidFill>
+                  <a:schemeClr val="bg1"/>
+                </a:solidFill>
+                <a:effectLst/>
+                <a:latin typeface="wfont_72d90e_100554fd70b74999b883405e3b62e6fb"/>
+              </a:rPr>
+              <a:t>Business Model Canva</a:t>
+            </a:r>
+          </a:p>
+        </p:txBody>
+      </p:sp>
+      <p:pic>
+        <p:nvPicPr>
+          <p:cNvPr id="5" name="Рисунок 4">
+            <a:extLst>
+              <a:ext uri="{FF2B5EF4-FFF2-40B4-BE49-F238E27FC236}">
+                <a16:creationId xmlns:a16="http://schemas.microsoft.com/office/drawing/2014/main" id="{A3B48BA5-0341-956E-049D-D0089DDB9205}"/>
+              </a:ext>
+            </a:extLst>
+          </p:cNvPr>
+          <p:cNvPicPr>
+            <a:picLocks noChangeAspect="1"/>
+          </p:cNvPicPr>
+          <p:nvPr/>
+        </p:nvPicPr>
+        <p:blipFill>
+          <a:blip r:embed="rId3">
+            <a:extLst>
+              <a:ext uri="{28A0092B-C50C-407E-A947-70E740481C1C}">
+                <a14:useLocalDpi xmlns:a14="http://schemas.microsoft.com/office/drawing/2010/main" val="0"/>
+              </a:ext>
+            </a:extLst>
+          </a:blip>
+          <a:stretch>
+            <a:fillRect/>
+          </a:stretch>
+        </p:blipFill>
+        <p:spPr>
+          <a:xfrm>
+            <a:off x="3053030" y="1617438"/>
+            <a:ext cx="15038258" cy="8922394"/>
+          </a:xfrm>
+          <a:prstGeom prst="rect">
+            <a:avLst/>
+          </a:prstGeom>
+        </p:spPr>
+      </p:pic>
     </p:spTree>
     <p:extLst>
       <p:ext uri="{BB962C8B-B14F-4D97-AF65-F5344CB8AC3E}">
-        <p14:creationId xmlns:p14="http://schemas.microsoft.com/office/powerpoint/2010/main" val="919311911"/>
+        <p14:creationId xmlns:p14="http://schemas.microsoft.com/office/powerpoint/2010/main" val="2557732281"/>
       </p:ext>
     </p:extLst>
   </p:cSld>

--- a/docs/мой_семинар/1. Выбираем продукт и строим бизнес-модель.pptx
+++ b/docs/мой_семинар/1. Выбираем продукт и строим бизнес-модель.pptx
@@ -548,14 +548,14 @@
           <a:bodyPr/>
           <a:lstStyle/>
           <a:p>
-            <a:endParaRPr lang="ru-RU"/>
+            <a:endParaRPr lang="ru-RU" dirty="0"/>
           </a:p>
         </p:txBody>
       </p:sp>
     </p:spTree>
     <p:extLst>
       <p:ext uri="{BB962C8B-B14F-4D97-AF65-F5344CB8AC3E}">
-        <p14:creationId xmlns:p14="http://schemas.microsoft.com/office/powerpoint/2010/main" val="3554393528"/>
+        <p14:creationId xmlns:p14="http://schemas.microsoft.com/office/powerpoint/2010/main" val="3245988658"/>
       </p:ext>
     </p:extLst>
   </p:cSld>
@@ -621,7 +621,7 @@
     </p:spTree>
     <p:extLst>
       <p:ext uri="{BB962C8B-B14F-4D97-AF65-F5344CB8AC3E}">
-        <p14:creationId xmlns:p14="http://schemas.microsoft.com/office/powerpoint/2010/main" val="600165219"/>
+        <p14:creationId xmlns:p14="http://schemas.microsoft.com/office/powerpoint/2010/main" val="3554393528"/>
       </p:ext>
     </p:extLst>
   </p:cSld>
@@ -687,7 +687,7 @@
     </p:spTree>
     <p:extLst>
       <p:ext uri="{BB962C8B-B14F-4D97-AF65-F5344CB8AC3E}">
-        <p14:creationId xmlns:p14="http://schemas.microsoft.com/office/powerpoint/2010/main" val="46257244"/>
+        <p14:creationId xmlns:p14="http://schemas.microsoft.com/office/powerpoint/2010/main" val="600165219"/>
       </p:ext>
     </p:extLst>
   </p:cSld>
@@ -753,6 +753,72 @@
     </p:spTree>
     <p:extLst>
       <p:ext uri="{BB962C8B-B14F-4D97-AF65-F5344CB8AC3E}">
+        <p14:creationId xmlns:p14="http://schemas.microsoft.com/office/powerpoint/2010/main" val="46257244"/>
+      </p:ext>
+    </p:extLst>
+  </p:cSld>
+  <p:clrMapOvr>
+    <a:masterClrMapping/>
+  </p:clrMapOvr>
+</p:notes>
+</file>
+
+<file path=ppt/notesSlides/notesSlide5.xml><?xml version="1.0" encoding="utf-8"?>
+<p:notes xmlns:a="http://schemas.openxmlformats.org/drawingml/2006/main" xmlns:r="http://schemas.openxmlformats.org/officeDocument/2006/relationships" xmlns:p="http://schemas.openxmlformats.org/presentationml/2006/main">
+  <p:cSld>
+    <p:spTree>
+      <p:nvGrpSpPr>
+        <p:cNvPr id="1" name=""/>
+        <p:cNvGrpSpPr/>
+        <p:nvPr/>
+      </p:nvGrpSpPr>
+      <p:grpSpPr>
+        <a:xfrm>
+          <a:off x="0" y="0"/>
+          <a:ext cx="0" cy="0"/>
+          <a:chOff x="0" y="0"/>
+          <a:chExt cx="0" cy="0"/>
+        </a:xfrm>
+      </p:grpSpPr>
+      <p:sp>
+        <p:nvSpPr>
+          <p:cNvPr id="2" name="Образ слайда 1"/>
+          <p:cNvSpPr>
+            <a:spLocks noGrp="1" noRot="1" noChangeAspect="1"/>
+          </p:cNvSpPr>
+          <p:nvPr>
+            <p:ph type="sldImg"/>
+          </p:nvPr>
+        </p:nvSpPr>
+        <p:spPr>
+          <a:xfrm>
+            <a:off x="285750" y="685800"/>
+            <a:ext cx="6286500" cy="3429000"/>
+          </a:xfrm>
+        </p:spPr>
+      </p:sp>
+      <p:sp>
+        <p:nvSpPr>
+          <p:cNvPr id="3" name="Заметки 2"/>
+          <p:cNvSpPr>
+            <a:spLocks noGrp="1"/>
+          </p:cNvSpPr>
+          <p:nvPr>
+            <p:ph type="body" idx="1"/>
+          </p:nvPr>
+        </p:nvSpPr>
+        <p:spPr/>
+        <p:txBody>
+          <a:bodyPr/>
+          <a:lstStyle/>
+          <a:p>
+            <a:endParaRPr lang="ru-RU" dirty="0"/>
+          </a:p>
+        </p:txBody>
+      </p:sp>
+    </p:spTree>
+    <p:extLst>
+      <p:ext uri="{BB962C8B-B14F-4D97-AF65-F5344CB8AC3E}">
         <p14:creationId xmlns:p14="http://schemas.microsoft.com/office/powerpoint/2010/main" val="2723049611"/>
       </p:ext>
     </p:extLst>
@@ -763,7 +829,7 @@
 </p:notes>
 </file>
 
-<file path=ppt/notesSlides/notesSlide5.xml><?xml version="1.0" encoding="utf-8"?>
+<file path=ppt/notesSlides/notesSlide6.xml><?xml version="1.0" encoding="utf-8"?>
 <p:notes xmlns:a="http://schemas.openxmlformats.org/drawingml/2006/main" xmlns:r="http://schemas.openxmlformats.org/officeDocument/2006/relationships" xmlns:p="http://schemas.openxmlformats.org/presentationml/2006/main">
   <p:cSld>
     <p:spTree>
@@ -3132,7 +3198,7 @@
             </a:pPr>
             <a:r>
               <a:rPr lang="ru-RU" dirty="0"/>
-              <a:t>Практикум</a:t>
+              <a:t>практикум</a:t>
             </a:r>
             <a:endParaRPr dirty="0"/>
           </a:p>
@@ -5279,7 +5345,7 @@
                 <a:cs typeface="+mj-cs"/>
                 <a:sym typeface="Calibri"/>
               </a:rPr>
-              <a:t>фронтен</a:t>
+              <a:t>фронтэн</a:t>
             </a:r>
             <a:r>
               <a:rPr lang="ru-RU" dirty="0" err="1">
@@ -5735,8 +5801,8 @@
         </p:nvSpPr>
         <p:spPr>
           <a:xfrm>
-            <a:off x="6143105" y="7735910"/>
-            <a:ext cx="7830589" cy="2769987"/>
+            <a:off x="6143105" y="7047512"/>
+            <a:ext cx="7830589" cy="3216263"/>
           </a:xfrm>
           <a:prstGeom prst="rect">
             <a:avLst/>
@@ -5906,20 +5972,58 @@
               </a:rPr>
               <a:t>Чат с ИИ</a:t>
             </a:r>
-            <a:endParaRPr kumimoji="0" lang="ru-RU" sz="2900" b="0" i="0" u="none" strike="noStrike" cap="none" spc="0" normalizeH="0" baseline="0" dirty="0">
-              <a:ln>
-                <a:noFill/>
-              </a:ln>
-              <a:solidFill>
-                <a:schemeClr val="bg1"/>
-              </a:solidFill>
-              <a:effectLst/>
-              <a:uFillTx/>
-              <a:latin typeface="+mj-lt"/>
-              <a:ea typeface="+mj-ea"/>
-              <a:cs typeface="+mj-cs"/>
-              <a:sym typeface="Calibri"/>
-            </a:endParaRPr>
+          </a:p>
+          <a:p>
+            <a:pPr marL="457200" marR="0" indent="-457200" algn="l" defTabSz="1492300" rtl="0" fontAlgn="auto" latinLnBrk="0" hangingPunct="0">
+              <a:lnSpc>
+                <a:spcPct val="100000"/>
+              </a:lnSpc>
+              <a:spcBef>
+                <a:spcPts val="0"/>
+              </a:spcBef>
+              <a:spcAft>
+                <a:spcPts val="0"/>
+              </a:spcAft>
+              <a:buClrTx/>
+              <a:buSzTx/>
+              <a:buFontTx/>
+              <a:buChar char="-"/>
+              <a:tabLst/>
+            </a:pPr>
+            <a:r>
+              <a:rPr kumimoji="0" lang="ru-RU" sz="2900" b="0" i="0" u="none" strike="noStrike" cap="none" spc="0" normalizeH="0" baseline="0" dirty="0" err="1">
+                <a:ln>
+                  <a:noFill/>
+                </a:ln>
+                <a:solidFill>
+                  <a:schemeClr val="bg1"/>
+                </a:solidFill>
+                <a:effectLst/>
+                <a:uFillTx/>
+                <a:latin typeface="+mj-lt"/>
+                <a:ea typeface="+mj-ea"/>
+                <a:cs typeface="+mj-cs"/>
+                <a:sym typeface="Calibri"/>
+              </a:rPr>
+              <a:t>Хакатон</a:t>
+            </a:r>
+            <a:r>
+              <a:rPr kumimoji="0" lang="ru-RU" sz="2900" b="0" i="0" u="none" strike="noStrike" cap="none" spc="0" normalizeH="0" baseline="0" dirty="0">
+                <a:ln>
+                  <a:noFill/>
+                </a:ln>
+                <a:solidFill>
+                  <a:schemeClr val="bg1"/>
+                </a:solidFill>
+                <a:effectLst/>
+                <a:uFillTx/>
+                <a:latin typeface="+mj-lt"/>
+                <a:ea typeface="+mj-ea"/>
+                <a:cs typeface="+mj-cs"/>
+                <a:sym typeface="Calibri"/>
+              </a:rPr>
+              <a:t> ЛЦТ</a:t>
+            </a:r>
           </a:p>
         </p:txBody>
       </p:sp>
@@ -7684,7 +7788,7 @@
         <p:spPr>
           <a:xfrm>
             <a:off x="1119253" y="6050621"/>
-            <a:ext cx="5748369" cy="538609"/>
+            <a:ext cx="4108497" cy="538609"/>
           </a:xfrm>
           <a:prstGeom prst="rect">
             <a:avLst/>
@@ -7733,15 +7837,12 @@
               </a:rPr>
               <a:t>MIRO</a:t>
             </a:r>
-            <a:r>
-              <a:rPr lang="ru-RU" sz="3500" dirty="0">
-                <a:solidFill>
-                  <a:srgbClr val="FFFFFF"/>
-                </a:solidFill>
-                <a:latin typeface="San Francisco Display Thin"/>
-              </a:rPr>
-              <a:t> вместе</a:t>
-            </a:r>
+            <a:endParaRPr lang="ru-RU" sz="3500" dirty="0">
+              <a:solidFill>
+                <a:srgbClr val="FFFFFF"/>
+              </a:solidFill>
+              <a:latin typeface="San Francisco Display Thin"/>
+            </a:endParaRPr>
           </a:p>
         </p:txBody>
       </p:sp>
